--- a/eos/06.산출물/TEOSPI-Spark 스케줄러 운영자 매뉴얼.pptx
+++ b/eos/06.산출물/TEOSPI-Spark 스케줄러 운영자 매뉴얼.pptx
@@ -132,6 +132,10 @@
           <p14:sldIdLst>
             <p14:sldId id="1203"/>
             <p14:sldId id="1201"/>
+          </p14:sldIdLst>
+        </p14:section>
+        <p14:section name="제목 없는 구역" id="{6651CF15-356C-4393-A466-A542180D6CB7}">
+          <p14:sldIdLst>
             <p14:sldId id="1204"/>
             <p14:sldId id="1205"/>
           </p14:sldIdLst>
@@ -22125,7 +22129,17 @@
                   </a:schemeClr>
                 </a:solidFill>
               </a:rPr>
-              <a:t>패키지 목록</a:t>
+              <a:t>패키지 목록 </a:t>
+            </a:r>
+            <a:r>
+              <a:rPr lang="en-US" altLang="ko-KR">
+                <a:solidFill>
+                  <a:schemeClr val="accent6">
+                    <a:lumMod val="75000"/>
+                  </a:schemeClr>
+                </a:solidFill>
+              </a:rPr>
+              <a:t>A</a:t>
             </a:r>
             <a:endParaRPr lang="ko-KR" altLang="en-US" dirty="0"/>
           </a:p>
@@ -22200,50 +22214,43 @@
           <p:nvPr>
             <p:extLst>
               <p:ext uri="{D42A27DB-BD31-4B8C-83A1-F6EECF244321}">
-                <p14:modId xmlns:p14="http://schemas.microsoft.com/office/powerpoint/2010/main" val="892340050"/>
+                <p14:modId xmlns:p14="http://schemas.microsoft.com/office/powerpoint/2010/main" val="638823620"/>
               </p:ext>
             </p:extLst>
           </p:nvPr>
         </p:nvGraphicFramePr>
         <p:xfrm>
-          <a:off x="488504" y="1708669"/>
-          <a:ext cx="8064896" cy="629352"/>
+          <a:off x="272480" y="1484784"/>
+          <a:ext cx="9289032" cy="3066752"/>
         </p:xfrm>
         <a:graphic>
           <a:graphicData uri="http://schemas.openxmlformats.org/drawingml/2006/table">
             <a:tbl>
               <a:tblPr/>
               <a:tblGrid>
-                <a:gridCol w="1800200">
+                <a:gridCol w="2107596">
                   <a:extLst>
                     <a:ext uri="{9D8B030D-6E8A-4147-A177-3AD203B41FA5}">
                       <a16:colId xmlns:a16="http://schemas.microsoft.com/office/drawing/2014/main" val="1375784862"/>
                     </a:ext>
                   </a:extLst>
                 </a:gridCol>
-                <a:gridCol w="2160240">
+                <a:gridCol w="2107596">
                   <a:extLst>
                     <a:ext uri="{9D8B030D-6E8A-4147-A177-3AD203B41FA5}">
                       <a16:colId xmlns:a16="http://schemas.microsoft.com/office/drawing/2014/main" val="2852861507"/>
                     </a:ext>
                   </a:extLst>
                 </a:gridCol>
-                <a:gridCol w="2298389">
+                <a:gridCol w="5073840">
                   <a:extLst>
                     <a:ext uri="{9D8B030D-6E8A-4147-A177-3AD203B41FA5}">
                       <a16:colId xmlns:a16="http://schemas.microsoft.com/office/drawing/2014/main" val="3425179803"/>
                     </a:ext>
                   </a:extLst>
                 </a:gridCol>
-                <a:gridCol w="1806067">
-                  <a:extLst>
-                    <a:ext uri="{9D8B030D-6E8A-4147-A177-3AD203B41FA5}">
-                      <a16:colId xmlns:a16="http://schemas.microsoft.com/office/drawing/2014/main" val="450979819"/>
-                    </a:ext>
-                  </a:extLst>
-                </a:gridCol>
               </a:tblGrid>
-              <a:tr h="157338">
+              <a:tr h="288032">
                 <a:tc>
                   <a:txBody>
                     <a:bodyPr/>
@@ -22267,12 +22274,12 @@
                         <a:defRPr/>
                       </a:pPr>
                       <a:r>
-                        <a:rPr lang="en-US" sz="800" b="0" kern="1200">
+                        <a:rPr lang="en-US" sz="1000" b="0" kern="1200">
                           <a:solidFill>
                             <a:schemeClr val="tx1"/>
                           </a:solidFill>
-                          <a:latin typeface="맑은 고딕" pitchFamily="50" charset="-127"/>
-                          <a:ea typeface="맑은 고딕" pitchFamily="50" charset="-127"/>
+                          <a:latin typeface="+mj-ea"/>
+                          <a:ea typeface="+mj-ea"/>
                           <a:cs typeface="+mn-cs"/>
                         </a:rPr>
                         <a:t>Package</a:t>
@@ -22347,12 +22354,12 @@
                         <a:defRPr/>
                       </a:pPr>
                       <a:r>
-                        <a:rPr lang="en-US" sz="800" b="0" kern="1200">
+                        <a:rPr lang="en-US" sz="1000" b="0" kern="1200">
                           <a:solidFill>
                             <a:schemeClr val="tx1"/>
                           </a:solidFill>
-                          <a:latin typeface="맑은 고딕" pitchFamily="50" charset="-127"/>
-                          <a:ea typeface="맑은 고딕" pitchFamily="50" charset="-127"/>
+                          <a:latin typeface="+mj-ea"/>
+                          <a:ea typeface="+mj-ea"/>
                           <a:cs typeface="+mn-cs"/>
                         </a:rPr>
                         <a:t>Program</a:t>
@@ -22427,99 +22434,22 @@
                         <a:defRPr/>
                       </a:pPr>
                       <a:r>
-                        <a:rPr lang="ko-KR" altLang="en-US" sz="800" b="0" kern="1200">
+                        <a:rPr lang="ko-KR" altLang="en-US" sz="1000" b="0" kern="1200">
                           <a:solidFill>
                             <a:schemeClr val="tx1"/>
                           </a:solidFill>
-                          <a:latin typeface="맑은 고딕" pitchFamily="50" charset="-127"/>
-                          <a:ea typeface="맑은 고딕" pitchFamily="50" charset="-127"/>
+                          <a:latin typeface="+mj-ea"/>
+                          <a:ea typeface="+mj-ea"/>
                           <a:cs typeface="+mn-cs"/>
                         </a:rPr>
                         <a:t>기능</a:t>
                       </a:r>
-                      <a:endParaRPr lang="en-US" sz="800" b="0" kern="1200">
+                      <a:endParaRPr lang="en-US" sz="1000" b="0" kern="1200">
                         <a:solidFill>
                           <a:schemeClr val="tx1"/>
                         </a:solidFill>
-                        <a:latin typeface="맑은 고딕" pitchFamily="50" charset="-127"/>
-                        <a:ea typeface="맑은 고딕" pitchFamily="50" charset="-127"/>
-                        <a:cs typeface="+mn-cs"/>
-                      </a:endParaRPr>
-                    </a:p>
-                  </a:txBody>
-                  <a:tcPr marL="7152" marR="7152" marT="7152" marB="0" anchor="ctr">
-                    <a:lnL w="3175" cap="flat" cmpd="sng" algn="ctr">
-                      <a:solidFill>
-                        <a:schemeClr val="tx1"/>
-                      </a:solidFill>
-                      <a:prstDash val="solid"/>
-                      <a:round/>
-                      <a:headEnd type="none" w="med" len="med"/>
-                      <a:tailEnd type="none" w="med" len="med"/>
-                    </a:lnL>
-                    <a:lnR w="3175" cap="flat" cmpd="sng" algn="ctr">
-                      <a:solidFill>
-                        <a:schemeClr val="tx1"/>
-                      </a:solidFill>
-                      <a:prstDash val="solid"/>
-                      <a:round/>
-                      <a:headEnd type="none" w="med" len="med"/>
-                      <a:tailEnd type="none" w="med" len="med"/>
-                    </a:lnR>
-                    <a:lnT w="3175" cap="flat" cmpd="sng" algn="ctr">
-                      <a:solidFill>
-                        <a:schemeClr val="tx1"/>
-                      </a:solidFill>
-                      <a:prstDash val="solid"/>
-                      <a:round/>
-                      <a:headEnd type="none" w="med" len="med"/>
-                      <a:tailEnd type="none" w="med" len="med"/>
-                    </a:lnT>
-                    <a:lnB w="3175" cap="flat" cmpd="sng" algn="ctr">
-                      <a:solidFill>
-                        <a:schemeClr val="tx1"/>
-                      </a:solidFill>
-                      <a:prstDash val="solid"/>
-                      <a:round/>
-                      <a:headEnd type="none" w="med" len="med"/>
-                      <a:tailEnd type="none" w="med" len="med"/>
-                    </a:lnB>
-                    <a:solidFill>
-                      <a:schemeClr val="accent6">
-                        <a:lumMod val="40000"/>
-                        <a:lumOff val="60000"/>
-                      </a:schemeClr>
-                    </a:solidFill>
-                  </a:tcPr>
-                </a:tc>
-                <a:tc>
-                  <a:txBody>
-                    <a:bodyPr/>
-                    <a:lstStyle/>
-                    <a:p>
-                      <a:pPr marL="0" marR="0" indent="0" algn="ctr" defTabSz="1388882" rtl="0" eaLnBrk="1" fontAlgn="auto" latinLnBrk="1" hangingPunct="1">
-                        <a:lnSpc>
-                          <a:spcPct val="90000"/>
-                        </a:lnSpc>
-                        <a:spcBef>
-                          <a:spcPts val="0"/>
-                        </a:spcBef>
-                        <a:spcAft>
-                          <a:spcPts val="0"/>
-                        </a:spcAft>
-                        <a:buClrTx/>
-                        <a:buSzTx/>
-                        <a:buFontTx/>
-                        <a:buNone/>
-                        <a:tabLst/>
-                        <a:defRPr/>
-                      </a:pPr>
-                      <a:endParaRPr lang="en-US" sz="800" b="0" kern="1200">
-                        <a:solidFill>
-                          <a:schemeClr val="tx1"/>
-                        </a:solidFill>
-                        <a:latin typeface="맑은 고딕" pitchFamily="50" charset="-127"/>
-                        <a:ea typeface="맑은 고딕" pitchFamily="50" charset="-127"/>
+                        <a:latin typeface="+mj-ea"/>
+                        <a:ea typeface="+mj-ea"/>
                         <a:cs typeface="+mn-cs"/>
                       </a:endParaRPr>
                     </a:p>
@@ -22575,7 +22505,7 @@
                   </a:ext>
                 </a:extLst>
               </a:tr>
-              <a:tr h="157338">
+              <a:tr h="397530">
                 <a:tc>
                   <a:txBody>
                     <a:bodyPr/>
@@ -22583,13 +22513,13 @@
                     <a:p>
                       <a:pPr marL="457200" lvl="1" indent="-365125" algn="l" fontAlgn="ctr"/>
                       <a:r>
-                        <a:rPr lang="en-US" altLang="ko-KR" sz="800" b="0" i="0" u="none" strike="noStrike">
+                        <a:rPr lang="en-US" altLang="ko-KR" sz="1000" b="0" i="0" u="none" strike="noStrike">
                           <a:solidFill>
                             <a:srgbClr val="000000"/>
                           </a:solidFill>
                           <a:effectLst/>
-                          <a:latin typeface="맑은 고딕" panose="020B0503020000020004" pitchFamily="50" charset="-127"/>
-                          <a:ea typeface="맑은 고딕" panose="020B0503020000020004" pitchFamily="50" charset="-127"/>
+                          <a:latin typeface="+mj-ea"/>
+                          <a:ea typeface="+mj-ea"/>
                         </a:rPr>
                         <a:t>scala.schedule.real</a:t>
                       </a:r>
@@ -22639,15 +22569,15 @@
                     <a:bodyPr/>
                     <a:lstStyle/>
                     <a:p>
-                      <a:pPr algn="ctr" fontAlgn="ctr"/>
+                      <a:pPr marL="457200" lvl="1" indent="-365125" algn="l" fontAlgn="ctr"/>
                       <a:r>
-                        <a:rPr lang="en-US" sz="800" b="0" i="0" u="none" strike="noStrike">
+                        <a:rPr lang="en-US" sz="1000" b="0" i="0" u="none" strike="noStrike">
                           <a:solidFill>
                             <a:srgbClr val="000000"/>
                           </a:solidFill>
                           <a:effectLst/>
-                          <a:latin typeface="맑은 고딕" panose="020B0503020000020004" pitchFamily="50" charset="-127"/>
-                          <a:ea typeface="맑은 고딕" panose="020B0503020000020004" pitchFamily="50" charset="-127"/>
+                          <a:latin typeface="+mj-ea"/>
+                          <a:ea typeface="+mj-ea"/>
                         </a:rPr>
                         <a:t>ScheduleDaemon.scala</a:t>
                       </a:r>
@@ -22697,15 +22627,113 @@
                     <a:bodyPr/>
                     <a:lstStyle/>
                     <a:p>
-                      <a:pPr algn="ctr" fontAlgn="ctr"/>
-                      <a:endParaRPr lang="en-US" altLang="ko-KR" sz="800" b="0" i="0" u="none" strike="noStrike">
+                      <a:pPr marL="457200" lvl="1" indent="-365125" algn="l" fontAlgn="ctr"/>
+                      <a:r>
+                        <a:rPr lang="ko-KR" altLang="en-US" sz="1000" kern="1200">
+                          <a:solidFill>
+                            <a:schemeClr val="tx1"/>
+                          </a:solidFill>
+                          <a:latin typeface="+mj-ea"/>
+                          <a:ea typeface="+mj-ea"/>
+                          <a:cs typeface="+mn-cs"/>
+                        </a:rPr>
+                        <a:t>실시간으로 신규 스케줄 정보 모니터링후 잡가중치 산출하고 잡임계치를 확인하여 </a:t>
+                      </a:r>
+                      <a:endParaRPr lang="en-US" altLang="ko-KR" sz="1000" kern="1200">
+                        <a:solidFill>
+                          <a:schemeClr val="tx1"/>
+                        </a:solidFill>
+                        <a:latin typeface="+mj-ea"/>
+                        <a:ea typeface="+mj-ea"/>
+                        <a:cs typeface="+mn-cs"/>
+                      </a:endParaRPr>
+                    </a:p>
+                    <a:p>
+                      <a:pPr marL="457200" lvl="1" indent="-365125" algn="l" fontAlgn="ctr"/>
+                      <a:r>
+                        <a:rPr lang="ko-KR" altLang="en-US" sz="1000" kern="1200">
+                          <a:solidFill>
+                            <a:schemeClr val="tx1"/>
+                          </a:solidFill>
+                          <a:latin typeface="+mj-ea"/>
+                          <a:ea typeface="+mj-ea"/>
+                          <a:cs typeface="+mn-cs"/>
+                        </a:rPr>
+                        <a:t>작업 수행</a:t>
+                      </a:r>
+                      <a:endParaRPr lang="en-US" altLang="ko-KR" sz="1000" b="0" i="0" u="none" strike="noStrike">
                         <a:solidFill>
                           <a:srgbClr val="000000"/>
                         </a:solidFill>
                         <a:effectLst/>
-                        <a:latin typeface="맑은 고딕" panose="020B0503020000020004" pitchFamily="50" charset="-127"/>
-                        <a:ea typeface="맑은 고딕" panose="020B0503020000020004" pitchFamily="50" charset="-127"/>
+                        <a:latin typeface="+mj-ea"/>
+                        <a:ea typeface="+mj-ea"/>
                       </a:endParaRPr>
+                    </a:p>
+                  </a:txBody>
+                  <a:tcPr marL="7152" marR="7152" marT="7152" marB="0" anchor="ctr">
+                    <a:lnL w="3175" cap="flat" cmpd="sng" algn="ctr">
+                      <a:solidFill>
+                        <a:schemeClr val="tx1"/>
+                      </a:solidFill>
+                      <a:prstDash val="solid"/>
+                      <a:round/>
+                      <a:headEnd type="none" w="med" len="med"/>
+                      <a:tailEnd type="none" w="med" len="med"/>
+                    </a:lnL>
+                    <a:lnR w="3175" cap="flat" cmpd="sng" algn="ctr">
+                      <a:solidFill>
+                        <a:schemeClr val="tx1"/>
+                      </a:solidFill>
+                      <a:prstDash val="solid"/>
+                      <a:round/>
+                      <a:headEnd type="none" w="med" len="med"/>
+                      <a:tailEnd type="none" w="med" len="med"/>
+                    </a:lnR>
+                    <a:lnT w="3175" cap="flat" cmpd="sng" algn="ctr">
+                      <a:solidFill>
+                        <a:schemeClr val="tx1"/>
+                      </a:solidFill>
+                      <a:prstDash val="solid"/>
+                      <a:round/>
+                      <a:headEnd type="none" w="med" len="med"/>
+                      <a:tailEnd type="none" w="med" len="med"/>
+                    </a:lnT>
+                    <a:lnB w="3175" cap="flat" cmpd="sng" algn="ctr">
+                      <a:solidFill>
+                        <a:schemeClr val="tx1"/>
+                      </a:solidFill>
+                      <a:prstDash val="solid"/>
+                      <a:round/>
+                      <a:headEnd type="none" w="med" len="med"/>
+                      <a:tailEnd type="none" w="med" len="med"/>
+                    </a:lnB>
+                  </a:tcPr>
+                </a:tc>
+                <a:extLst>
+                  <a:ext uri="{0D108BD9-81ED-4DB2-BD59-A6C34878D82A}">
+                    <a16:rowId xmlns:a16="http://schemas.microsoft.com/office/drawing/2014/main" val="3918225003"/>
+                  </a:ext>
+                </a:extLst>
+              </a:tr>
+              <a:tr h="364573">
+                <a:tc>
+                  <a:txBody>
+                    <a:bodyPr/>
+                    <a:lstStyle/>
+                    <a:p>
+                      <a:pPr marL="457200" lvl="1" indent="-365125" algn="l" fontAlgn="ctr"/>
+                      <a:r>
+                        <a:rPr lang="en-US" altLang="ko-KR" sz="1000" b="0" i="0" u="none" strike="noStrike">
+                          <a:solidFill>
+                            <a:srgbClr val="000000"/>
+                          </a:solidFill>
+                          <a:effectLst/>
+                          <a:latin typeface="+mj-ea"/>
+                          <a:ea typeface="+mj-ea"/>
+                        </a:rPr>
+                        <a:t>scala.schedule.real</a:t>
+                      </a:r>
                     </a:p>
                   </a:txBody>
                   <a:tcPr marL="7152" marR="7152" marT="7152" marB="0" anchor="ctr">
@@ -22752,14 +22780,204 @@
                     <a:bodyPr/>
                     <a:lstStyle/>
                     <a:p>
-                      <a:pPr algn="ctr" fontAlgn="ctr"/>
-                      <a:endParaRPr lang="en-US" altLang="ko-KR" sz="800" b="0" i="0" u="none" strike="noStrike">
+                      <a:pPr marL="457200" lvl="1" indent="-365125" algn="l" fontAlgn="ctr"/>
+                      <a:r>
+                        <a:rPr lang="en-US" sz="1000" b="0" i="0" u="none" strike="noStrike">
+                          <a:solidFill>
+                            <a:srgbClr val="000000"/>
+                          </a:solidFill>
+                          <a:effectLst/>
+                          <a:latin typeface="+mj-ea"/>
+                          <a:ea typeface="+mj-ea"/>
+                        </a:rPr>
+                        <a:t>ExcuteJob.scala</a:t>
+                      </a:r>
+                    </a:p>
+                  </a:txBody>
+                  <a:tcPr marL="7152" marR="7152" marT="7152" marB="0" anchor="ctr">
+                    <a:lnL w="3175" cap="flat" cmpd="sng" algn="ctr">
+                      <a:solidFill>
+                        <a:schemeClr val="tx1"/>
+                      </a:solidFill>
+                      <a:prstDash val="solid"/>
+                      <a:round/>
+                      <a:headEnd type="none" w="med" len="med"/>
+                      <a:tailEnd type="none" w="med" len="med"/>
+                    </a:lnL>
+                    <a:lnR w="3175" cap="flat" cmpd="sng" algn="ctr">
+                      <a:solidFill>
+                        <a:schemeClr val="tx1"/>
+                      </a:solidFill>
+                      <a:prstDash val="solid"/>
+                      <a:round/>
+                      <a:headEnd type="none" w="med" len="med"/>
+                      <a:tailEnd type="none" w="med" len="med"/>
+                    </a:lnR>
+                    <a:lnT w="3175" cap="flat" cmpd="sng" algn="ctr">
+                      <a:solidFill>
+                        <a:schemeClr val="tx1"/>
+                      </a:solidFill>
+                      <a:prstDash val="solid"/>
+                      <a:round/>
+                      <a:headEnd type="none" w="med" len="med"/>
+                      <a:tailEnd type="none" w="med" len="med"/>
+                    </a:lnT>
+                    <a:lnB w="3175" cap="flat" cmpd="sng" algn="ctr">
+                      <a:solidFill>
+                        <a:schemeClr val="tx1"/>
+                      </a:solidFill>
+                      <a:prstDash val="solid"/>
+                      <a:round/>
+                      <a:headEnd type="none" w="med" len="med"/>
+                      <a:tailEnd type="none" w="med" len="med"/>
+                    </a:lnB>
+                  </a:tcPr>
+                </a:tc>
+                <a:tc>
+                  <a:txBody>
+                    <a:bodyPr/>
+                    <a:lstStyle/>
+                    <a:p>
+                      <a:pPr marL="457200" lvl="1" indent="-365125" algn="l" fontAlgn="ctr"/>
+                      <a:r>
+                        <a:rPr lang="ko-KR" altLang="en-US" sz="1000" u="none" kern="1200">
+                          <a:solidFill>
+                            <a:schemeClr val="tx1"/>
+                          </a:solidFill>
+                          <a:latin typeface="+mn-lt"/>
+                          <a:ea typeface="+mn-ea"/>
+                          <a:cs typeface="+mn-cs"/>
+                        </a:rPr>
+                        <a:t>스케줄정보 </a:t>
+                      </a:r>
+                      <a:r>
+                        <a:rPr lang="en-US" altLang="ko-KR" sz="1000" u="none" kern="1200">
+                          <a:solidFill>
+                            <a:schemeClr val="tx1"/>
+                          </a:solidFill>
+                          <a:latin typeface="+mn-lt"/>
+                          <a:ea typeface="+mn-ea"/>
+                          <a:cs typeface="+mn-cs"/>
+                        </a:rPr>
+                        <a:t>ETL </a:t>
+                      </a:r>
+                      <a:r>
+                        <a:rPr lang="ko-KR" altLang="en-US" sz="1000" u="none" kern="1200">
+                          <a:solidFill>
+                            <a:schemeClr val="tx1"/>
+                          </a:solidFill>
+                          <a:latin typeface="+mn-lt"/>
+                          <a:ea typeface="+mn-ea"/>
+                          <a:cs typeface="+mn-cs"/>
+                        </a:rPr>
+                        <a:t>및 </a:t>
+                      </a:r>
+                      <a:r>
+                        <a:rPr lang="en-US" altLang="ko-KR" sz="1000" u="none" kern="1200">
+                          <a:solidFill>
+                            <a:schemeClr val="tx1"/>
+                          </a:solidFill>
+                          <a:latin typeface="+mn-lt"/>
+                          <a:ea typeface="+mn-ea"/>
+                          <a:cs typeface="+mn-cs"/>
+                        </a:rPr>
+                        <a:t>Postgre LOS </a:t>
+                      </a:r>
+                      <a:r>
+                        <a:rPr lang="ko-KR" altLang="en-US" sz="1000" u="none" kern="1200">
+                          <a:solidFill>
+                            <a:schemeClr val="tx1"/>
+                          </a:solidFill>
+                          <a:latin typeface="+mn-lt"/>
+                          <a:ea typeface="+mn-ea"/>
+                          <a:cs typeface="+mn-cs"/>
+                        </a:rPr>
+                        <a:t>분석 수행 및 </a:t>
+                      </a:r>
+                      <a:r>
+                        <a:rPr lang="en-US" altLang="ko-KR" sz="1000" u="none" kern="1200">
+                          <a:solidFill>
+                            <a:schemeClr val="tx1"/>
+                          </a:solidFill>
+                          <a:latin typeface="+mn-lt"/>
+                          <a:ea typeface="+mn-ea"/>
+                          <a:cs typeface="+mn-cs"/>
+                        </a:rPr>
+                        <a:t>Spark</a:t>
+                      </a:r>
+                      <a:r>
+                        <a:rPr lang="ko-KR" altLang="en-US" sz="1000" u="none" kern="1200">
+                          <a:solidFill>
+                            <a:schemeClr val="tx1"/>
+                          </a:solidFill>
+                          <a:latin typeface="+mn-lt"/>
+                          <a:ea typeface="+mn-ea"/>
+                          <a:cs typeface="+mn-cs"/>
+                        </a:rPr>
+                        <a:t>으로 </a:t>
+                      </a:r>
+                      <a:r>
+                        <a:rPr lang="en-US" altLang="ko-KR" sz="1000" u="none" kern="1200">
+                          <a:solidFill>
+                            <a:schemeClr val="tx1"/>
+                          </a:solidFill>
+                          <a:latin typeface="+mn-lt"/>
+                          <a:ea typeface="+mn-ea"/>
+                          <a:cs typeface="+mn-cs"/>
+                        </a:rPr>
+                        <a:t>Eng</a:t>
+                      </a:r>
+                      <a:r>
+                        <a:rPr lang="ko-KR" altLang="en-US" sz="1000" u="none" kern="1200">
+                          <a:solidFill>
+                            <a:schemeClr val="tx1"/>
+                          </a:solidFill>
+                          <a:latin typeface="+mn-lt"/>
+                          <a:ea typeface="+mn-ea"/>
+                          <a:cs typeface="+mn-cs"/>
+                        </a:rPr>
+                        <a:t>분석 수행후 </a:t>
+                      </a:r>
+                      <a:endParaRPr lang="en-US" altLang="ko-KR" sz="1000" u="none" kern="1200">
+                        <a:solidFill>
+                          <a:schemeClr val="tx1"/>
+                        </a:solidFill>
+                        <a:latin typeface="+mn-lt"/>
+                        <a:ea typeface="+mn-ea"/>
+                        <a:cs typeface="+mn-cs"/>
+                      </a:endParaRPr>
+                    </a:p>
+                    <a:p>
+                      <a:pPr marL="457200" lvl="1" indent="-365125" algn="l" fontAlgn="ctr"/>
+                      <a:r>
+                        <a:rPr lang="en-US" altLang="ko-KR" sz="1000" u="none" kern="1200">
+                          <a:solidFill>
+                            <a:schemeClr val="tx1"/>
+                          </a:solidFill>
+                          <a:latin typeface="+mn-lt"/>
+                          <a:ea typeface="+mn-ea"/>
+                          <a:cs typeface="+mn-cs"/>
+                        </a:rPr>
+                        <a:t>Binary File </a:t>
+                      </a:r>
+                      <a:r>
+                        <a:rPr lang="ko-KR" altLang="en-US" sz="1000" u="none" kern="1200">
+                          <a:solidFill>
+                            <a:schemeClr val="tx1"/>
+                          </a:solidFill>
+                          <a:latin typeface="+mn-lt"/>
+                          <a:ea typeface="+mn-ea"/>
+                          <a:cs typeface="+mn-cs"/>
+                        </a:rPr>
+                        <a:t>생성</a:t>
+                      </a:r>
+                      <a:endParaRPr lang="en-US" altLang="ko-KR" sz="400" b="0" i="0" u="none" strike="noStrike">
                         <a:solidFill>
                           <a:srgbClr val="000000"/>
                         </a:solidFill>
                         <a:effectLst/>
-                        <a:latin typeface="맑은 고딕" panose="020B0503020000020004" pitchFamily="50" charset="-127"/>
-                        <a:ea typeface="맑은 고딕" panose="020B0503020000020004" pitchFamily="50" charset="-127"/>
+                        <a:latin typeface="+mj-ea"/>
+                        <a:ea typeface="+mj-ea"/>
                       </a:endParaRPr>
                     </a:p>
                   </a:txBody>
@@ -22804,7 +23022,1564 @@
                 </a:tc>
                 <a:extLst>
                   <a:ext uri="{0D108BD9-81ED-4DB2-BD59-A6C34878D82A}">
-                    <a16:rowId xmlns:a16="http://schemas.microsoft.com/office/drawing/2014/main" val="3918225003"/>
+                    <a16:rowId xmlns:a16="http://schemas.microsoft.com/office/drawing/2014/main" val="2041333238"/>
+                  </a:ext>
+                </a:extLst>
+              </a:tr>
+              <a:tr h="318017">
+                <a:tc>
+                  <a:txBody>
+                    <a:bodyPr/>
+                    <a:lstStyle/>
+                    <a:p>
+                      <a:pPr marL="457200" lvl="1" indent="-365125" algn="l" fontAlgn="ctr"/>
+                      <a:r>
+                        <a:rPr lang="en-US" altLang="ko-KR" sz="1000" b="0" i="0" u="none" strike="noStrike">
+                          <a:solidFill>
+                            <a:srgbClr val="000000"/>
+                          </a:solidFill>
+                          <a:effectLst/>
+                          <a:latin typeface="+mj-ea"/>
+                          <a:ea typeface="+mj-ea"/>
+                        </a:rPr>
+                        <a:t>scala.schedule.batch</a:t>
+                      </a:r>
+                    </a:p>
+                  </a:txBody>
+                  <a:tcPr marL="7152" marR="7152" marT="7152" marB="0" anchor="ctr">
+                    <a:lnL w="3175" cap="flat" cmpd="sng" algn="ctr">
+                      <a:solidFill>
+                        <a:schemeClr val="tx1"/>
+                      </a:solidFill>
+                      <a:prstDash val="solid"/>
+                      <a:round/>
+                      <a:headEnd type="none" w="med" len="med"/>
+                      <a:tailEnd type="none" w="med" len="med"/>
+                    </a:lnL>
+                    <a:lnR w="3175" cap="flat" cmpd="sng" algn="ctr">
+                      <a:solidFill>
+                        <a:schemeClr val="tx1"/>
+                      </a:solidFill>
+                      <a:prstDash val="solid"/>
+                      <a:round/>
+                      <a:headEnd type="none" w="med" len="med"/>
+                      <a:tailEnd type="none" w="med" len="med"/>
+                    </a:lnR>
+                    <a:lnT w="3175" cap="flat" cmpd="sng" algn="ctr">
+                      <a:solidFill>
+                        <a:schemeClr val="tx1"/>
+                      </a:solidFill>
+                      <a:prstDash val="solid"/>
+                      <a:round/>
+                      <a:headEnd type="none" w="med" len="med"/>
+                      <a:tailEnd type="none" w="med" len="med"/>
+                    </a:lnT>
+                    <a:lnB w="3175" cap="flat" cmpd="sng" algn="ctr">
+                      <a:solidFill>
+                        <a:schemeClr val="tx1"/>
+                      </a:solidFill>
+                      <a:prstDash val="solid"/>
+                      <a:round/>
+                      <a:headEnd type="none" w="med" len="med"/>
+                      <a:tailEnd type="none" w="med" len="med"/>
+                    </a:lnB>
+                  </a:tcPr>
+                </a:tc>
+                <a:tc>
+                  <a:txBody>
+                    <a:bodyPr/>
+                    <a:lstStyle/>
+                    <a:p>
+                      <a:pPr marL="457200" lvl="1" indent="-365125" algn="l" fontAlgn="ctr"/>
+                      <a:r>
+                        <a:rPr lang="en-US" sz="1000" b="0" i="0" u="none" strike="noStrike">
+                          <a:solidFill>
+                            <a:srgbClr val="000000"/>
+                          </a:solidFill>
+                          <a:effectLst/>
+                          <a:latin typeface="+mj-ea"/>
+                          <a:ea typeface="+mj-ea"/>
+                        </a:rPr>
+                        <a:t>BatchJob.scala</a:t>
+                      </a:r>
+                    </a:p>
+                  </a:txBody>
+                  <a:tcPr marL="7152" marR="7152" marT="7152" marB="0" anchor="ctr">
+                    <a:lnL w="3175" cap="flat" cmpd="sng" algn="ctr">
+                      <a:solidFill>
+                        <a:schemeClr val="tx1"/>
+                      </a:solidFill>
+                      <a:prstDash val="solid"/>
+                      <a:round/>
+                      <a:headEnd type="none" w="med" len="med"/>
+                      <a:tailEnd type="none" w="med" len="med"/>
+                    </a:lnL>
+                    <a:lnR w="3175" cap="flat" cmpd="sng" algn="ctr">
+                      <a:solidFill>
+                        <a:schemeClr val="tx1"/>
+                      </a:solidFill>
+                      <a:prstDash val="solid"/>
+                      <a:round/>
+                      <a:headEnd type="none" w="med" len="med"/>
+                      <a:tailEnd type="none" w="med" len="med"/>
+                    </a:lnR>
+                    <a:lnT w="3175" cap="flat" cmpd="sng" algn="ctr">
+                      <a:solidFill>
+                        <a:schemeClr val="tx1"/>
+                      </a:solidFill>
+                      <a:prstDash val="solid"/>
+                      <a:round/>
+                      <a:headEnd type="none" w="med" len="med"/>
+                      <a:tailEnd type="none" w="med" len="med"/>
+                    </a:lnT>
+                    <a:lnB w="3175" cap="flat" cmpd="sng" algn="ctr">
+                      <a:solidFill>
+                        <a:schemeClr val="tx1"/>
+                      </a:solidFill>
+                      <a:prstDash val="solid"/>
+                      <a:round/>
+                      <a:headEnd type="none" w="med" len="med"/>
+                      <a:tailEnd type="none" w="med" len="med"/>
+                    </a:lnB>
+                  </a:tcPr>
+                </a:tc>
+                <a:tc>
+                  <a:txBody>
+                    <a:bodyPr/>
+                    <a:lstStyle/>
+                    <a:p>
+                      <a:pPr marL="457200" lvl="1" indent="-365125" algn="l" fontAlgn="ctr"/>
+                      <a:endParaRPr lang="en-US" altLang="ko-KR" sz="100" b="0" i="0" u="none" strike="noStrike">
+                        <a:solidFill>
+                          <a:srgbClr val="000000"/>
+                        </a:solidFill>
+                        <a:effectLst/>
+                        <a:latin typeface="+mj-ea"/>
+                        <a:ea typeface="+mj-ea"/>
+                      </a:endParaRPr>
+                    </a:p>
+                  </a:txBody>
+                  <a:tcPr marL="7152" marR="7152" marT="7152" marB="0" anchor="ctr">
+                    <a:lnL w="3175" cap="flat" cmpd="sng" algn="ctr">
+                      <a:solidFill>
+                        <a:schemeClr val="tx1"/>
+                      </a:solidFill>
+                      <a:prstDash val="solid"/>
+                      <a:round/>
+                      <a:headEnd type="none" w="med" len="med"/>
+                      <a:tailEnd type="none" w="med" len="med"/>
+                    </a:lnL>
+                    <a:lnR w="3175" cap="flat" cmpd="sng" algn="ctr">
+                      <a:solidFill>
+                        <a:schemeClr val="tx1"/>
+                      </a:solidFill>
+                      <a:prstDash val="solid"/>
+                      <a:round/>
+                      <a:headEnd type="none" w="med" len="med"/>
+                      <a:tailEnd type="none" w="med" len="med"/>
+                    </a:lnR>
+                    <a:lnT w="3175" cap="flat" cmpd="sng" algn="ctr">
+                      <a:solidFill>
+                        <a:schemeClr val="tx1"/>
+                      </a:solidFill>
+                      <a:prstDash val="solid"/>
+                      <a:round/>
+                      <a:headEnd type="none" w="med" len="med"/>
+                      <a:tailEnd type="none" w="med" len="med"/>
+                    </a:lnT>
+                    <a:lnB w="3175" cap="flat" cmpd="sng" algn="ctr">
+                      <a:solidFill>
+                        <a:schemeClr val="tx1"/>
+                      </a:solidFill>
+                      <a:prstDash val="solid"/>
+                      <a:round/>
+                      <a:headEnd type="none" w="med" len="med"/>
+                      <a:tailEnd type="none" w="med" len="med"/>
+                    </a:lnB>
+                  </a:tcPr>
+                </a:tc>
+                <a:extLst>
+                  <a:ext uri="{0D108BD9-81ED-4DB2-BD59-A6C34878D82A}">
+                    <a16:rowId xmlns:a16="http://schemas.microsoft.com/office/drawing/2014/main" val="888012634"/>
+                  </a:ext>
+                </a:extLst>
+              </a:tr>
+              <a:tr h="256960">
+                <a:tc>
+                  <a:txBody>
+                    <a:bodyPr/>
+                    <a:lstStyle/>
+                    <a:p>
+                      <a:pPr marL="457200" lvl="1" indent="-365125" algn="l" fontAlgn="ctr"/>
+                      <a:r>
+                        <a:rPr lang="en-US" altLang="ko-KR" sz="1000" b="0" i="0" u="none" strike="noStrike">
+                          <a:solidFill>
+                            <a:srgbClr val="000000"/>
+                          </a:solidFill>
+                          <a:effectLst/>
+                          <a:latin typeface="+mj-ea"/>
+                          <a:ea typeface="+mj-ea"/>
+                        </a:rPr>
+                        <a:t>scala.etl.load</a:t>
+                      </a:r>
+                    </a:p>
+                  </a:txBody>
+                  <a:tcPr marL="7152" marR="7152" marT="7152" marB="0" anchor="ctr">
+                    <a:lnL w="3175" cap="flat" cmpd="sng" algn="ctr">
+                      <a:solidFill>
+                        <a:schemeClr val="tx1"/>
+                      </a:solidFill>
+                      <a:prstDash val="solid"/>
+                      <a:round/>
+                      <a:headEnd type="none" w="med" len="med"/>
+                      <a:tailEnd type="none" w="med" len="med"/>
+                    </a:lnL>
+                    <a:lnR w="3175" cap="flat" cmpd="sng" algn="ctr">
+                      <a:solidFill>
+                        <a:schemeClr val="tx1"/>
+                      </a:solidFill>
+                      <a:prstDash val="solid"/>
+                      <a:round/>
+                      <a:headEnd type="none" w="med" len="med"/>
+                      <a:tailEnd type="none" w="med" len="med"/>
+                    </a:lnR>
+                    <a:lnT w="3175" cap="flat" cmpd="sng" algn="ctr">
+                      <a:solidFill>
+                        <a:schemeClr val="tx1"/>
+                      </a:solidFill>
+                      <a:prstDash val="solid"/>
+                      <a:round/>
+                      <a:headEnd type="none" w="med" len="med"/>
+                      <a:tailEnd type="none" w="med" len="med"/>
+                    </a:lnT>
+                    <a:lnB w="3175" cap="flat" cmpd="sng" algn="ctr">
+                      <a:solidFill>
+                        <a:schemeClr val="tx1"/>
+                      </a:solidFill>
+                      <a:prstDash val="solid"/>
+                      <a:round/>
+                      <a:headEnd type="none" w="med" len="med"/>
+                      <a:tailEnd type="none" w="med" len="med"/>
+                    </a:lnB>
+                  </a:tcPr>
+                </a:tc>
+                <a:tc>
+                  <a:txBody>
+                    <a:bodyPr/>
+                    <a:lstStyle/>
+                    <a:p>
+                      <a:pPr marL="457200" lvl="1" indent="-365125" algn="l" fontAlgn="ctr"/>
+                      <a:endParaRPr lang="en-US" sz="1000" b="0" i="0" u="none" strike="noStrike">
+                        <a:solidFill>
+                          <a:srgbClr val="000000"/>
+                        </a:solidFill>
+                        <a:effectLst/>
+                        <a:latin typeface="+mj-ea"/>
+                        <a:ea typeface="+mj-ea"/>
+                      </a:endParaRPr>
+                    </a:p>
+                  </a:txBody>
+                  <a:tcPr marL="7152" marR="7152" marT="7152" marB="0" anchor="ctr">
+                    <a:lnL w="3175" cap="flat" cmpd="sng" algn="ctr">
+                      <a:solidFill>
+                        <a:schemeClr val="tx1"/>
+                      </a:solidFill>
+                      <a:prstDash val="solid"/>
+                      <a:round/>
+                      <a:headEnd type="none" w="med" len="med"/>
+                      <a:tailEnd type="none" w="med" len="med"/>
+                    </a:lnL>
+                    <a:lnR w="3175" cap="flat" cmpd="sng" algn="ctr">
+                      <a:solidFill>
+                        <a:schemeClr val="tx1"/>
+                      </a:solidFill>
+                      <a:prstDash val="solid"/>
+                      <a:round/>
+                      <a:headEnd type="none" w="med" len="med"/>
+                      <a:tailEnd type="none" w="med" len="med"/>
+                    </a:lnR>
+                    <a:lnT w="3175" cap="flat" cmpd="sng" algn="ctr">
+                      <a:solidFill>
+                        <a:schemeClr val="tx1"/>
+                      </a:solidFill>
+                      <a:prstDash val="solid"/>
+                      <a:round/>
+                      <a:headEnd type="none" w="med" len="med"/>
+                      <a:tailEnd type="none" w="med" len="med"/>
+                    </a:lnT>
+                    <a:lnB w="3175" cap="flat" cmpd="sng" algn="ctr">
+                      <a:solidFill>
+                        <a:schemeClr val="tx1"/>
+                      </a:solidFill>
+                      <a:prstDash val="solid"/>
+                      <a:round/>
+                      <a:headEnd type="none" w="med" len="med"/>
+                      <a:tailEnd type="none" w="med" len="med"/>
+                    </a:lnB>
+                  </a:tcPr>
+                </a:tc>
+                <a:tc>
+                  <a:txBody>
+                    <a:bodyPr/>
+                    <a:lstStyle/>
+                    <a:p>
+                      <a:pPr marL="457200" lvl="1" indent="-365125" algn="l" fontAlgn="ctr"/>
+                      <a:endParaRPr lang="en-US" altLang="ko-KR" sz="100" b="0" i="0" u="none" strike="noStrike">
+                        <a:solidFill>
+                          <a:srgbClr val="000000"/>
+                        </a:solidFill>
+                        <a:effectLst/>
+                        <a:latin typeface="+mj-ea"/>
+                        <a:ea typeface="+mj-ea"/>
+                      </a:endParaRPr>
+                    </a:p>
+                  </a:txBody>
+                  <a:tcPr marL="7152" marR="7152" marT="7152" marB="0" anchor="ctr">
+                    <a:lnL w="3175" cap="flat" cmpd="sng" algn="ctr">
+                      <a:solidFill>
+                        <a:schemeClr val="tx1"/>
+                      </a:solidFill>
+                      <a:prstDash val="solid"/>
+                      <a:round/>
+                      <a:headEnd type="none" w="med" len="med"/>
+                      <a:tailEnd type="none" w="med" len="med"/>
+                    </a:lnL>
+                    <a:lnR w="3175" cap="flat" cmpd="sng" algn="ctr">
+                      <a:solidFill>
+                        <a:schemeClr val="tx1"/>
+                      </a:solidFill>
+                      <a:prstDash val="solid"/>
+                      <a:round/>
+                      <a:headEnd type="none" w="med" len="med"/>
+                      <a:tailEnd type="none" w="med" len="med"/>
+                    </a:lnR>
+                    <a:lnT w="3175" cap="flat" cmpd="sng" algn="ctr">
+                      <a:solidFill>
+                        <a:schemeClr val="tx1"/>
+                      </a:solidFill>
+                      <a:prstDash val="solid"/>
+                      <a:round/>
+                      <a:headEnd type="none" w="med" len="med"/>
+                      <a:tailEnd type="none" w="med" len="med"/>
+                    </a:lnT>
+                    <a:lnB w="3175" cap="flat" cmpd="sng" algn="ctr">
+                      <a:solidFill>
+                        <a:schemeClr val="tx1"/>
+                      </a:solidFill>
+                      <a:prstDash val="solid"/>
+                      <a:round/>
+                      <a:headEnd type="none" w="med" len="med"/>
+                      <a:tailEnd type="none" w="med" len="med"/>
+                    </a:lnB>
+                  </a:tcPr>
+                </a:tc>
+                <a:extLst>
+                  <a:ext uri="{0D108BD9-81ED-4DB2-BD59-A6C34878D82A}">
+                    <a16:rowId xmlns:a16="http://schemas.microsoft.com/office/drawing/2014/main" val="437002038"/>
+                  </a:ext>
+                </a:extLst>
+              </a:tr>
+              <a:tr h="0">
+                <a:tc>
+                  <a:txBody>
+                    <a:bodyPr/>
+                    <a:lstStyle/>
+                    <a:p>
+                      <a:pPr marL="457200" lvl="1" indent="-365125" algn="l" fontAlgn="ctr"/>
+                      <a:endParaRPr lang="en-US" altLang="ko-KR" sz="1000" b="0" i="0" u="none" strike="noStrike">
+                        <a:solidFill>
+                          <a:srgbClr val="000000"/>
+                        </a:solidFill>
+                        <a:effectLst/>
+                        <a:latin typeface="+mj-ea"/>
+                        <a:ea typeface="+mj-ea"/>
+                      </a:endParaRPr>
+                    </a:p>
+                  </a:txBody>
+                  <a:tcPr marL="7152" marR="7152" marT="7152" marB="0" anchor="ctr">
+                    <a:lnL w="3175" cap="flat" cmpd="sng" algn="ctr">
+                      <a:solidFill>
+                        <a:schemeClr val="tx1"/>
+                      </a:solidFill>
+                      <a:prstDash val="solid"/>
+                      <a:round/>
+                      <a:headEnd type="none" w="med" len="med"/>
+                      <a:tailEnd type="none" w="med" len="med"/>
+                    </a:lnL>
+                    <a:lnR w="3175" cap="flat" cmpd="sng" algn="ctr">
+                      <a:solidFill>
+                        <a:schemeClr val="tx1"/>
+                      </a:solidFill>
+                      <a:prstDash val="solid"/>
+                      <a:round/>
+                      <a:headEnd type="none" w="med" len="med"/>
+                      <a:tailEnd type="none" w="med" len="med"/>
+                    </a:lnR>
+                    <a:lnT w="3175" cap="flat" cmpd="sng" algn="ctr">
+                      <a:solidFill>
+                        <a:schemeClr val="tx1"/>
+                      </a:solidFill>
+                      <a:prstDash val="solid"/>
+                      <a:round/>
+                      <a:headEnd type="none" w="med" len="med"/>
+                      <a:tailEnd type="none" w="med" len="med"/>
+                    </a:lnT>
+                    <a:lnB w="3175" cap="flat" cmpd="sng" algn="ctr">
+                      <a:solidFill>
+                        <a:schemeClr val="tx1"/>
+                      </a:solidFill>
+                      <a:prstDash val="solid"/>
+                      <a:round/>
+                      <a:headEnd type="none" w="med" len="med"/>
+                      <a:tailEnd type="none" w="med" len="med"/>
+                    </a:lnB>
+                  </a:tcPr>
+                </a:tc>
+                <a:tc>
+                  <a:txBody>
+                    <a:bodyPr/>
+                    <a:lstStyle/>
+                    <a:p>
+                      <a:pPr marL="457200" lvl="1" indent="-365125" algn="l" fontAlgn="ctr"/>
+                      <a:endParaRPr lang="en-US" sz="1000" b="0" i="0" u="none" strike="noStrike">
+                        <a:solidFill>
+                          <a:srgbClr val="000000"/>
+                        </a:solidFill>
+                        <a:effectLst/>
+                        <a:latin typeface="+mj-ea"/>
+                        <a:ea typeface="+mj-ea"/>
+                      </a:endParaRPr>
+                    </a:p>
+                  </a:txBody>
+                  <a:tcPr marL="7152" marR="7152" marT="7152" marB="0" anchor="ctr">
+                    <a:lnL w="3175" cap="flat" cmpd="sng" algn="ctr">
+                      <a:solidFill>
+                        <a:schemeClr val="tx1"/>
+                      </a:solidFill>
+                      <a:prstDash val="solid"/>
+                      <a:round/>
+                      <a:headEnd type="none" w="med" len="med"/>
+                      <a:tailEnd type="none" w="med" len="med"/>
+                    </a:lnL>
+                    <a:lnR w="3175" cap="flat" cmpd="sng" algn="ctr">
+                      <a:solidFill>
+                        <a:schemeClr val="tx1"/>
+                      </a:solidFill>
+                      <a:prstDash val="solid"/>
+                      <a:round/>
+                      <a:headEnd type="none" w="med" len="med"/>
+                      <a:tailEnd type="none" w="med" len="med"/>
+                    </a:lnR>
+                    <a:lnT w="3175" cap="flat" cmpd="sng" algn="ctr">
+                      <a:solidFill>
+                        <a:schemeClr val="tx1"/>
+                      </a:solidFill>
+                      <a:prstDash val="solid"/>
+                      <a:round/>
+                      <a:headEnd type="none" w="med" len="med"/>
+                      <a:tailEnd type="none" w="med" len="med"/>
+                    </a:lnT>
+                    <a:lnB w="3175" cap="flat" cmpd="sng" algn="ctr">
+                      <a:solidFill>
+                        <a:schemeClr val="tx1"/>
+                      </a:solidFill>
+                      <a:prstDash val="solid"/>
+                      <a:round/>
+                      <a:headEnd type="none" w="med" len="med"/>
+                      <a:tailEnd type="none" w="med" len="med"/>
+                    </a:lnB>
+                  </a:tcPr>
+                </a:tc>
+                <a:tc>
+                  <a:txBody>
+                    <a:bodyPr/>
+                    <a:lstStyle/>
+                    <a:p>
+                      <a:pPr marL="457200" lvl="1" indent="-365125" algn="l" fontAlgn="ctr"/>
+                      <a:endParaRPr lang="en-US" altLang="ko-KR" sz="1000" b="0" i="0" u="none" strike="noStrike">
+                        <a:solidFill>
+                          <a:srgbClr val="000000"/>
+                        </a:solidFill>
+                        <a:effectLst/>
+                        <a:latin typeface="+mj-ea"/>
+                        <a:ea typeface="+mj-ea"/>
+                      </a:endParaRPr>
+                    </a:p>
+                  </a:txBody>
+                  <a:tcPr marL="7152" marR="7152" marT="7152" marB="0" anchor="ctr">
+                    <a:lnL w="3175" cap="flat" cmpd="sng" algn="ctr">
+                      <a:solidFill>
+                        <a:schemeClr val="tx1"/>
+                      </a:solidFill>
+                      <a:prstDash val="solid"/>
+                      <a:round/>
+                      <a:headEnd type="none" w="med" len="med"/>
+                      <a:tailEnd type="none" w="med" len="med"/>
+                    </a:lnL>
+                    <a:lnR w="3175" cap="flat" cmpd="sng" algn="ctr">
+                      <a:solidFill>
+                        <a:schemeClr val="tx1"/>
+                      </a:solidFill>
+                      <a:prstDash val="solid"/>
+                      <a:round/>
+                      <a:headEnd type="none" w="med" len="med"/>
+                      <a:tailEnd type="none" w="med" len="med"/>
+                    </a:lnR>
+                    <a:lnT w="3175" cap="flat" cmpd="sng" algn="ctr">
+                      <a:solidFill>
+                        <a:schemeClr val="tx1"/>
+                      </a:solidFill>
+                      <a:prstDash val="solid"/>
+                      <a:round/>
+                      <a:headEnd type="none" w="med" len="med"/>
+                      <a:tailEnd type="none" w="med" len="med"/>
+                    </a:lnT>
+                    <a:lnB w="3175" cap="flat" cmpd="sng" algn="ctr">
+                      <a:solidFill>
+                        <a:schemeClr val="tx1"/>
+                      </a:solidFill>
+                      <a:prstDash val="solid"/>
+                      <a:round/>
+                      <a:headEnd type="none" w="med" len="med"/>
+                      <a:tailEnd type="none" w="med" len="med"/>
+                    </a:lnB>
+                  </a:tcPr>
+                </a:tc>
+                <a:extLst>
+                  <a:ext uri="{0D108BD9-81ED-4DB2-BD59-A6C34878D82A}">
+                    <a16:rowId xmlns:a16="http://schemas.microsoft.com/office/drawing/2014/main" val="1181406280"/>
+                  </a:ext>
+                </a:extLst>
+              </a:tr>
+              <a:tr h="0">
+                <a:tc>
+                  <a:txBody>
+                    <a:bodyPr/>
+                    <a:lstStyle/>
+                    <a:p>
+                      <a:pPr marL="457200" lvl="1" indent="-365125" algn="l" fontAlgn="ctr"/>
+                      <a:endParaRPr lang="en-US" altLang="ko-KR" sz="1000" b="0" i="0" u="none" strike="noStrike">
+                        <a:solidFill>
+                          <a:srgbClr val="000000"/>
+                        </a:solidFill>
+                        <a:effectLst/>
+                        <a:latin typeface="+mj-ea"/>
+                        <a:ea typeface="+mj-ea"/>
+                      </a:endParaRPr>
+                    </a:p>
+                  </a:txBody>
+                  <a:tcPr marL="7152" marR="7152" marT="7152" marB="0" anchor="ctr">
+                    <a:lnL w="3175" cap="flat" cmpd="sng" algn="ctr">
+                      <a:solidFill>
+                        <a:schemeClr val="tx1"/>
+                      </a:solidFill>
+                      <a:prstDash val="solid"/>
+                      <a:round/>
+                      <a:headEnd type="none" w="med" len="med"/>
+                      <a:tailEnd type="none" w="med" len="med"/>
+                    </a:lnL>
+                    <a:lnR w="3175" cap="flat" cmpd="sng" algn="ctr">
+                      <a:solidFill>
+                        <a:schemeClr val="tx1"/>
+                      </a:solidFill>
+                      <a:prstDash val="solid"/>
+                      <a:round/>
+                      <a:headEnd type="none" w="med" len="med"/>
+                      <a:tailEnd type="none" w="med" len="med"/>
+                    </a:lnR>
+                    <a:lnT w="3175" cap="flat" cmpd="sng" algn="ctr">
+                      <a:solidFill>
+                        <a:schemeClr val="tx1"/>
+                      </a:solidFill>
+                      <a:prstDash val="solid"/>
+                      <a:round/>
+                      <a:headEnd type="none" w="med" len="med"/>
+                      <a:tailEnd type="none" w="med" len="med"/>
+                    </a:lnT>
+                    <a:lnB w="3175" cap="flat" cmpd="sng" algn="ctr">
+                      <a:solidFill>
+                        <a:schemeClr val="tx1"/>
+                      </a:solidFill>
+                      <a:prstDash val="solid"/>
+                      <a:round/>
+                      <a:headEnd type="none" w="med" len="med"/>
+                      <a:tailEnd type="none" w="med" len="med"/>
+                    </a:lnB>
+                  </a:tcPr>
+                </a:tc>
+                <a:tc>
+                  <a:txBody>
+                    <a:bodyPr/>
+                    <a:lstStyle/>
+                    <a:p>
+                      <a:pPr marL="457200" lvl="1" indent="-365125" algn="l" fontAlgn="ctr"/>
+                      <a:endParaRPr lang="en-US" sz="1000" b="0" i="0" u="none" strike="noStrike">
+                        <a:solidFill>
+                          <a:srgbClr val="000000"/>
+                        </a:solidFill>
+                        <a:effectLst/>
+                        <a:latin typeface="+mj-ea"/>
+                        <a:ea typeface="+mj-ea"/>
+                      </a:endParaRPr>
+                    </a:p>
+                  </a:txBody>
+                  <a:tcPr marL="7152" marR="7152" marT="7152" marB="0" anchor="ctr">
+                    <a:lnL w="3175" cap="flat" cmpd="sng" algn="ctr">
+                      <a:solidFill>
+                        <a:schemeClr val="tx1"/>
+                      </a:solidFill>
+                      <a:prstDash val="solid"/>
+                      <a:round/>
+                      <a:headEnd type="none" w="med" len="med"/>
+                      <a:tailEnd type="none" w="med" len="med"/>
+                    </a:lnL>
+                    <a:lnR w="3175" cap="flat" cmpd="sng" algn="ctr">
+                      <a:solidFill>
+                        <a:schemeClr val="tx1"/>
+                      </a:solidFill>
+                      <a:prstDash val="solid"/>
+                      <a:round/>
+                      <a:headEnd type="none" w="med" len="med"/>
+                      <a:tailEnd type="none" w="med" len="med"/>
+                    </a:lnR>
+                    <a:lnT w="3175" cap="flat" cmpd="sng" algn="ctr">
+                      <a:solidFill>
+                        <a:schemeClr val="tx1"/>
+                      </a:solidFill>
+                      <a:prstDash val="solid"/>
+                      <a:round/>
+                      <a:headEnd type="none" w="med" len="med"/>
+                      <a:tailEnd type="none" w="med" len="med"/>
+                    </a:lnT>
+                    <a:lnB w="3175" cap="flat" cmpd="sng" algn="ctr">
+                      <a:solidFill>
+                        <a:schemeClr val="tx1"/>
+                      </a:solidFill>
+                      <a:prstDash val="solid"/>
+                      <a:round/>
+                      <a:headEnd type="none" w="med" len="med"/>
+                      <a:tailEnd type="none" w="med" len="med"/>
+                    </a:lnB>
+                  </a:tcPr>
+                </a:tc>
+                <a:tc>
+                  <a:txBody>
+                    <a:bodyPr/>
+                    <a:lstStyle/>
+                    <a:p>
+                      <a:pPr marL="457200" lvl="1" indent="-365125" algn="l" fontAlgn="ctr"/>
+                      <a:endParaRPr lang="en-US" altLang="ko-KR" sz="1000" b="0" i="0" u="none" strike="noStrike">
+                        <a:solidFill>
+                          <a:srgbClr val="000000"/>
+                        </a:solidFill>
+                        <a:effectLst/>
+                        <a:latin typeface="+mj-ea"/>
+                        <a:ea typeface="+mj-ea"/>
+                      </a:endParaRPr>
+                    </a:p>
+                  </a:txBody>
+                  <a:tcPr marL="7152" marR="7152" marT="7152" marB="0" anchor="ctr">
+                    <a:lnL w="3175" cap="flat" cmpd="sng" algn="ctr">
+                      <a:solidFill>
+                        <a:schemeClr val="tx1"/>
+                      </a:solidFill>
+                      <a:prstDash val="solid"/>
+                      <a:round/>
+                      <a:headEnd type="none" w="med" len="med"/>
+                      <a:tailEnd type="none" w="med" len="med"/>
+                    </a:lnL>
+                    <a:lnR w="3175" cap="flat" cmpd="sng" algn="ctr">
+                      <a:solidFill>
+                        <a:schemeClr val="tx1"/>
+                      </a:solidFill>
+                      <a:prstDash val="solid"/>
+                      <a:round/>
+                      <a:headEnd type="none" w="med" len="med"/>
+                      <a:tailEnd type="none" w="med" len="med"/>
+                    </a:lnR>
+                    <a:lnT w="3175" cap="flat" cmpd="sng" algn="ctr">
+                      <a:solidFill>
+                        <a:schemeClr val="tx1"/>
+                      </a:solidFill>
+                      <a:prstDash val="solid"/>
+                      <a:round/>
+                      <a:headEnd type="none" w="med" len="med"/>
+                      <a:tailEnd type="none" w="med" len="med"/>
+                    </a:lnT>
+                    <a:lnB w="3175" cap="flat" cmpd="sng" algn="ctr">
+                      <a:solidFill>
+                        <a:schemeClr val="tx1"/>
+                      </a:solidFill>
+                      <a:prstDash val="solid"/>
+                      <a:round/>
+                      <a:headEnd type="none" w="med" len="med"/>
+                      <a:tailEnd type="none" w="med" len="med"/>
+                    </a:lnB>
+                  </a:tcPr>
+                </a:tc>
+                <a:extLst>
+                  <a:ext uri="{0D108BD9-81ED-4DB2-BD59-A6C34878D82A}">
+                    <a16:rowId xmlns:a16="http://schemas.microsoft.com/office/drawing/2014/main" val="1145206703"/>
+                  </a:ext>
+                </a:extLst>
+              </a:tr>
+              <a:tr h="0">
+                <a:tc>
+                  <a:txBody>
+                    <a:bodyPr/>
+                    <a:lstStyle/>
+                    <a:p>
+                      <a:pPr marL="457200" lvl="1" indent="-365125" algn="l" fontAlgn="ctr"/>
+                      <a:endParaRPr lang="en-US" altLang="ko-KR" sz="1000" b="0" i="0" u="none" strike="noStrike">
+                        <a:solidFill>
+                          <a:srgbClr val="000000"/>
+                        </a:solidFill>
+                        <a:effectLst/>
+                        <a:latin typeface="+mj-ea"/>
+                        <a:ea typeface="+mj-ea"/>
+                      </a:endParaRPr>
+                    </a:p>
+                  </a:txBody>
+                  <a:tcPr marL="7152" marR="7152" marT="7152" marB="0" anchor="ctr">
+                    <a:lnL w="3175" cap="flat" cmpd="sng" algn="ctr">
+                      <a:solidFill>
+                        <a:schemeClr val="tx1"/>
+                      </a:solidFill>
+                      <a:prstDash val="solid"/>
+                      <a:round/>
+                      <a:headEnd type="none" w="med" len="med"/>
+                      <a:tailEnd type="none" w="med" len="med"/>
+                    </a:lnL>
+                    <a:lnR w="3175" cap="flat" cmpd="sng" algn="ctr">
+                      <a:solidFill>
+                        <a:schemeClr val="tx1"/>
+                      </a:solidFill>
+                      <a:prstDash val="solid"/>
+                      <a:round/>
+                      <a:headEnd type="none" w="med" len="med"/>
+                      <a:tailEnd type="none" w="med" len="med"/>
+                    </a:lnR>
+                    <a:lnT w="3175" cap="flat" cmpd="sng" algn="ctr">
+                      <a:solidFill>
+                        <a:schemeClr val="tx1"/>
+                      </a:solidFill>
+                      <a:prstDash val="solid"/>
+                      <a:round/>
+                      <a:headEnd type="none" w="med" len="med"/>
+                      <a:tailEnd type="none" w="med" len="med"/>
+                    </a:lnT>
+                    <a:lnB w="3175" cap="flat" cmpd="sng" algn="ctr">
+                      <a:solidFill>
+                        <a:schemeClr val="tx1"/>
+                      </a:solidFill>
+                      <a:prstDash val="solid"/>
+                      <a:round/>
+                      <a:headEnd type="none" w="med" len="med"/>
+                      <a:tailEnd type="none" w="med" len="med"/>
+                    </a:lnB>
+                  </a:tcPr>
+                </a:tc>
+                <a:tc>
+                  <a:txBody>
+                    <a:bodyPr/>
+                    <a:lstStyle/>
+                    <a:p>
+                      <a:pPr marL="457200" lvl="1" indent="-365125" algn="l" fontAlgn="ctr"/>
+                      <a:endParaRPr lang="en-US" sz="1000" b="0" i="0" u="none" strike="noStrike">
+                        <a:solidFill>
+                          <a:srgbClr val="000000"/>
+                        </a:solidFill>
+                        <a:effectLst/>
+                        <a:latin typeface="+mj-ea"/>
+                        <a:ea typeface="+mj-ea"/>
+                      </a:endParaRPr>
+                    </a:p>
+                  </a:txBody>
+                  <a:tcPr marL="7152" marR="7152" marT="7152" marB="0" anchor="ctr">
+                    <a:lnL w="3175" cap="flat" cmpd="sng" algn="ctr">
+                      <a:solidFill>
+                        <a:schemeClr val="tx1"/>
+                      </a:solidFill>
+                      <a:prstDash val="solid"/>
+                      <a:round/>
+                      <a:headEnd type="none" w="med" len="med"/>
+                      <a:tailEnd type="none" w="med" len="med"/>
+                    </a:lnL>
+                    <a:lnR w="3175" cap="flat" cmpd="sng" algn="ctr">
+                      <a:solidFill>
+                        <a:schemeClr val="tx1"/>
+                      </a:solidFill>
+                      <a:prstDash val="solid"/>
+                      <a:round/>
+                      <a:headEnd type="none" w="med" len="med"/>
+                      <a:tailEnd type="none" w="med" len="med"/>
+                    </a:lnR>
+                    <a:lnT w="3175" cap="flat" cmpd="sng" algn="ctr">
+                      <a:solidFill>
+                        <a:schemeClr val="tx1"/>
+                      </a:solidFill>
+                      <a:prstDash val="solid"/>
+                      <a:round/>
+                      <a:headEnd type="none" w="med" len="med"/>
+                      <a:tailEnd type="none" w="med" len="med"/>
+                    </a:lnT>
+                    <a:lnB w="3175" cap="flat" cmpd="sng" algn="ctr">
+                      <a:solidFill>
+                        <a:schemeClr val="tx1"/>
+                      </a:solidFill>
+                      <a:prstDash val="solid"/>
+                      <a:round/>
+                      <a:headEnd type="none" w="med" len="med"/>
+                      <a:tailEnd type="none" w="med" len="med"/>
+                    </a:lnB>
+                  </a:tcPr>
+                </a:tc>
+                <a:tc>
+                  <a:txBody>
+                    <a:bodyPr/>
+                    <a:lstStyle/>
+                    <a:p>
+                      <a:pPr marL="457200" lvl="1" indent="-365125" algn="l" fontAlgn="ctr"/>
+                      <a:endParaRPr lang="en-US" altLang="ko-KR" sz="1000" b="0" i="0" u="none" strike="noStrike">
+                        <a:solidFill>
+                          <a:srgbClr val="000000"/>
+                        </a:solidFill>
+                        <a:effectLst/>
+                        <a:latin typeface="+mj-ea"/>
+                        <a:ea typeface="+mj-ea"/>
+                      </a:endParaRPr>
+                    </a:p>
+                  </a:txBody>
+                  <a:tcPr marL="7152" marR="7152" marT="7152" marB="0" anchor="ctr">
+                    <a:lnL w="3175" cap="flat" cmpd="sng" algn="ctr">
+                      <a:solidFill>
+                        <a:schemeClr val="tx1"/>
+                      </a:solidFill>
+                      <a:prstDash val="solid"/>
+                      <a:round/>
+                      <a:headEnd type="none" w="med" len="med"/>
+                      <a:tailEnd type="none" w="med" len="med"/>
+                    </a:lnL>
+                    <a:lnR w="3175" cap="flat" cmpd="sng" algn="ctr">
+                      <a:solidFill>
+                        <a:schemeClr val="tx1"/>
+                      </a:solidFill>
+                      <a:prstDash val="solid"/>
+                      <a:round/>
+                      <a:headEnd type="none" w="med" len="med"/>
+                      <a:tailEnd type="none" w="med" len="med"/>
+                    </a:lnR>
+                    <a:lnT w="3175" cap="flat" cmpd="sng" algn="ctr">
+                      <a:solidFill>
+                        <a:schemeClr val="tx1"/>
+                      </a:solidFill>
+                      <a:prstDash val="solid"/>
+                      <a:round/>
+                      <a:headEnd type="none" w="med" len="med"/>
+                      <a:tailEnd type="none" w="med" len="med"/>
+                    </a:lnT>
+                    <a:lnB w="3175" cap="flat" cmpd="sng" algn="ctr">
+                      <a:solidFill>
+                        <a:schemeClr val="tx1"/>
+                      </a:solidFill>
+                      <a:prstDash val="solid"/>
+                      <a:round/>
+                      <a:headEnd type="none" w="med" len="med"/>
+                      <a:tailEnd type="none" w="med" len="med"/>
+                    </a:lnB>
+                  </a:tcPr>
+                </a:tc>
+                <a:extLst>
+                  <a:ext uri="{0D108BD9-81ED-4DB2-BD59-A6C34878D82A}">
+                    <a16:rowId xmlns:a16="http://schemas.microsoft.com/office/drawing/2014/main" val="1525906835"/>
+                  </a:ext>
+                </a:extLst>
+              </a:tr>
+              <a:tr h="0">
+                <a:tc>
+                  <a:txBody>
+                    <a:bodyPr/>
+                    <a:lstStyle/>
+                    <a:p>
+                      <a:pPr marL="457200" lvl="1" indent="-365125" algn="l" fontAlgn="ctr"/>
+                      <a:endParaRPr lang="en-US" altLang="ko-KR" sz="1000" b="0" i="0" u="none" strike="noStrike">
+                        <a:solidFill>
+                          <a:srgbClr val="000000"/>
+                        </a:solidFill>
+                        <a:effectLst/>
+                        <a:latin typeface="+mj-ea"/>
+                        <a:ea typeface="+mj-ea"/>
+                      </a:endParaRPr>
+                    </a:p>
+                  </a:txBody>
+                  <a:tcPr marL="7152" marR="7152" marT="7152" marB="0" anchor="ctr">
+                    <a:lnL w="3175" cap="flat" cmpd="sng" algn="ctr">
+                      <a:solidFill>
+                        <a:schemeClr val="tx1"/>
+                      </a:solidFill>
+                      <a:prstDash val="solid"/>
+                      <a:round/>
+                      <a:headEnd type="none" w="med" len="med"/>
+                      <a:tailEnd type="none" w="med" len="med"/>
+                    </a:lnL>
+                    <a:lnR w="3175" cap="flat" cmpd="sng" algn="ctr">
+                      <a:solidFill>
+                        <a:schemeClr val="tx1"/>
+                      </a:solidFill>
+                      <a:prstDash val="solid"/>
+                      <a:round/>
+                      <a:headEnd type="none" w="med" len="med"/>
+                      <a:tailEnd type="none" w="med" len="med"/>
+                    </a:lnR>
+                    <a:lnT w="3175" cap="flat" cmpd="sng" algn="ctr">
+                      <a:solidFill>
+                        <a:schemeClr val="tx1"/>
+                      </a:solidFill>
+                      <a:prstDash val="solid"/>
+                      <a:round/>
+                      <a:headEnd type="none" w="med" len="med"/>
+                      <a:tailEnd type="none" w="med" len="med"/>
+                    </a:lnT>
+                    <a:lnB w="3175" cap="flat" cmpd="sng" algn="ctr">
+                      <a:solidFill>
+                        <a:schemeClr val="tx1"/>
+                      </a:solidFill>
+                      <a:prstDash val="solid"/>
+                      <a:round/>
+                      <a:headEnd type="none" w="med" len="med"/>
+                      <a:tailEnd type="none" w="med" len="med"/>
+                    </a:lnB>
+                  </a:tcPr>
+                </a:tc>
+                <a:tc>
+                  <a:txBody>
+                    <a:bodyPr/>
+                    <a:lstStyle/>
+                    <a:p>
+                      <a:pPr marL="457200" lvl="1" indent="-365125" algn="l" fontAlgn="ctr"/>
+                      <a:endParaRPr lang="en-US" sz="1000" b="0" i="0" u="none" strike="noStrike">
+                        <a:solidFill>
+                          <a:srgbClr val="000000"/>
+                        </a:solidFill>
+                        <a:effectLst/>
+                        <a:latin typeface="+mj-ea"/>
+                        <a:ea typeface="+mj-ea"/>
+                      </a:endParaRPr>
+                    </a:p>
+                  </a:txBody>
+                  <a:tcPr marL="7152" marR="7152" marT="7152" marB="0" anchor="ctr">
+                    <a:lnL w="3175" cap="flat" cmpd="sng" algn="ctr">
+                      <a:solidFill>
+                        <a:schemeClr val="tx1"/>
+                      </a:solidFill>
+                      <a:prstDash val="solid"/>
+                      <a:round/>
+                      <a:headEnd type="none" w="med" len="med"/>
+                      <a:tailEnd type="none" w="med" len="med"/>
+                    </a:lnL>
+                    <a:lnR w="3175" cap="flat" cmpd="sng" algn="ctr">
+                      <a:solidFill>
+                        <a:schemeClr val="tx1"/>
+                      </a:solidFill>
+                      <a:prstDash val="solid"/>
+                      <a:round/>
+                      <a:headEnd type="none" w="med" len="med"/>
+                      <a:tailEnd type="none" w="med" len="med"/>
+                    </a:lnR>
+                    <a:lnT w="3175" cap="flat" cmpd="sng" algn="ctr">
+                      <a:solidFill>
+                        <a:schemeClr val="tx1"/>
+                      </a:solidFill>
+                      <a:prstDash val="solid"/>
+                      <a:round/>
+                      <a:headEnd type="none" w="med" len="med"/>
+                      <a:tailEnd type="none" w="med" len="med"/>
+                    </a:lnT>
+                    <a:lnB w="3175" cap="flat" cmpd="sng" algn="ctr">
+                      <a:solidFill>
+                        <a:schemeClr val="tx1"/>
+                      </a:solidFill>
+                      <a:prstDash val="solid"/>
+                      <a:round/>
+                      <a:headEnd type="none" w="med" len="med"/>
+                      <a:tailEnd type="none" w="med" len="med"/>
+                    </a:lnB>
+                  </a:tcPr>
+                </a:tc>
+                <a:tc>
+                  <a:txBody>
+                    <a:bodyPr/>
+                    <a:lstStyle/>
+                    <a:p>
+                      <a:pPr marL="457200" lvl="1" indent="-365125" algn="l" fontAlgn="ctr"/>
+                      <a:endParaRPr lang="en-US" altLang="ko-KR" sz="1000" b="0" i="0" u="none" strike="noStrike">
+                        <a:solidFill>
+                          <a:srgbClr val="000000"/>
+                        </a:solidFill>
+                        <a:effectLst/>
+                        <a:latin typeface="+mj-ea"/>
+                        <a:ea typeface="+mj-ea"/>
+                      </a:endParaRPr>
+                    </a:p>
+                  </a:txBody>
+                  <a:tcPr marL="7152" marR="7152" marT="7152" marB="0" anchor="ctr">
+                    <a:lnL w="3175" cap="flat" cmpd="sng" algn="ctr">
+                      <a:solidFill>
+                        <a:schemeClr val="tx1"/>
+                      </a:solidFill>
+                      <a:prstDash val="solid"/>
+                      <a:round/>
+                      <a:headEnd type="none" w="med" len="med"/>
+                      <a:tailEnd type="none" w="med" len="med"/>
+                    </a:lnL>
+                    <a:lnR w="3175" cap="flat" cmpd="sng" algn="ctr">
+                      <a:solidFill>
+                        <a:schemeClr val="tx1"/>
+                      </a:solidFill>
+                      <a:prstDash val="solid"/>
+                      <a:round/>
+                      <a:headEnd type="none" w="med" len="med"/>
+                      <a:tailEnd type="none" w="med" len="med"/>
+                    </a:lnR>
+                    <a:lnT w="3175" cap="flat" cmpd="sng" algn="ctr">
+                      <a:solidFill>
+                        <a:schemeClr val="tx1"/>
+                      </a:solidFill>
+                      <a:prstDash val="solid"/>
+                      <a:round/>
+                      <a:headEnd type="none" w="med" len="med"/>
+                      <a:tailEnd type="none" w="med" len="med"/>
+                    </a:lnT>
+                    <a:lnB w="3175" cap="flat" cmpd="sng" algn="ctr">
+                      <a:solidFill>
+                        <a:schemeClr val="tx1"/>
+                      </a:solidFill>
+                      <a:prstDash val="solid"/>
+                      <a:round/>
+                      <a:headEnd type="none" w="med" len="med"/>
+                      <a:tailEnd type="none" w="med" len="med"/>
+                    </a:lnB>
+                  </a:tcPr>
+                </a:tc>
+                <a:extLst>
+                  <a:ext uri="{0D108BD9-81ED-4DB2-BD59-A6C34878D82A}">
+                    <a16:rowId xmlns:a16="http://schemas.microsoft.com/office/drawing/2014/main" val="3612137478"/>
+                  </a:ext>
+                </a:extLst>
+              </a:tr>
+              <a:tr h="0">
+                <a:tc>
+                  <a:txBody>
+                    <a:bodyPr/>
+                    <a:lstStyle/>
+                    <a:p>
+                      <a:pPr marL="457200" lvl="1" indent="-365125" algn="l" fontAlgn="ctr"/>
+                      <a:endParaRPr lang="en-US" altLang="ko-KR" sz="1000" b="0" i="0" u="none" strike="noStrike">
+                        <a:solidFill>
+                          <a:srgbClr val="000000"/>
+                        </a:solidFill>
+                        <a:effectLst/>
+                        <a:latin typeface="+mj-ea"/>
+                        <a:ea typeface="+mj-ea"/>
+                      </a:endParaRPr>
+                    </a:p>
+                  </a:txBody>
+                  <a:tcPr marL="7152" marR="7152" marT="7152" marB="0" anchor="ctr">
+                    <a:lnL w="3175" cap="flat" cmpd="sng" algn="ctr">
+                      <a:solidFill>
+                        <a:schemeClr val="tx1"/>
+                      </a:solidFill>
+                      <a:prstDash val="solid"/>
+                      <a:round/>
+                      <a:headEnd type="none" w="med" len="med"/>
+                      <a:tailEnd type="none" w="med" len="med"/>
+                    </a:lnL>
+                    <a:lnR w="3175" cap="flat" cmpd="sng" algn="ctr">
+                      <a:solidFill>
+                        <a:schemeClr val="tx1"/>
+                      </a:solidFill>
+                      <a:prstDash val="solid"/>
+                      <a:round/>
+                      <a:headEnd type="none" w="med" len="med"/>
+                      <a:tailEnd type="none" w="med" len="med"/>
+                    </a:lnR>
+                    <a:lnT w="3175" cap="flat" cmpd="sng" algn="ctr">
+                      <a:solidFill>
+                        <a:schemeClr val="tx1"/>
+                      </a:solidFill>
+                      <a:prstDash val="solid"/>
+                      <a:round/>
+                      <a:headEnd type="none" w="med" len="med"/>
+                      <a:tailEnd type="none" w="med" len="med"/>
+                    </a:lnT>
+                    <a:lnB w="3175" cap="flat" cmpd="sng" algn="ctr">
+                      <a:solidFill>
+                        <a:schemeClr val="tx1"/>
+                      </a:solidFill>
+                      <a:prstDash val="solid"/>
+                      <a:round/>
+                      <a:headEnd type="none" w="med" len="med"/>
+                      <a:tailEnd type="none" w="med" len="med"/>
+                    </a:lnB>
+                  </a:tcPr>
+                </a:tc>
+                <a:tc>
+                  <a:txBody>
+                    <a:bodyPr/>
+                    <a:lstStyle/>
+                    <a:p>
+                      <a:pPr marL="457200" lvl="1" indent="-365125" algn="l" fontAlgn="ctr"/>
+                      <a:endParaRPr lang="en-US" sz="1000" b="0" i="0" u="none" strike="noStrike">
+                        <a:solidFill>
+                          <a:srgbClr val="000000"/>
+                        </a:solidFill>
+                        <a:effectLst/>
+                        <a:latin typeface="+mj-ea"/>
+                        <a:ea typeface="+mj-ea"/>
+                      </a:endParaRPr>
+                    </a:p>
+                  </a:txBody>
+                  <a:tcPr marL="7152" marR="7152" marT="7152" marB="0" anchor="ctr">
+                    <a:lnL w="3175" cap="flat" cmpd="sng" algn="ctr">
+                      <a:solidFill>
+                        <a:schemeClr val="tx1"/>
+                      </a:solidFill>
+                      <a:prstDash val="solid"/>
+                      <a:round/>
+                      <a:headEnd type="none" w="med" len="med"/>
+                      <a:tailEnd type="none" w="med" len="med"/>
+                    </a:lnL>
+                    <a:lnR w="3175" cap="flat" cmpd="sng" algn="ctr">
+                      <a:solidFill>
+                        <a:schemeClr val="tx1"/>
+                      </a:solidFill>
+                      <a:prstDash val="solid"/>
+                      <a:round/>
+                      <a:headEnd type="none" w="med" len="med"/>
+                      <a:tailEnd type="none" w="med" len="med"/>
+                    </a:lnR>
+                    <a:lnT w="3175" cap="flat" cmpd="sng" algn="ctr">
+                      <a:solidFill>
+                        <a:schemeClr val="tx1"/>
+                      </a:solidFill>
+                      <a:prstDash val="solid"/>
+                      <a:round/>
+                      <a:headEnd type="none" w="med" len="med"/>
+                      <a:tailEnd type="none" w="med" len="med"/>
+                    </a:lnT>
+                    <a:lnB w="3175" cap="flat" cmpd="sng" algn="ctr">
+                      <a:solidFill>
+                        <a:schemeClr val="tx1"/>
+                      </a:solidFill>
+                      <a:prstDash val="solid"/>
+                      <a:round/>
+                      <a:headEnd type="none" w="med" len="med"/>
+                      <a:tailEnd type="none" w="med" len="med"/>
+                    </a:lnB>
+                  </a:tcPr>
+                </a:tc>
+                <a:tc>
+                  <a:txBody>
+                    <a:bodyPr/>
+                    <a:lstStyle/>
+                    <a:p>
+                      <a:pPr marL="457200" lvl="1" indent="-365125" algn="l" fontAlgn="ctr"/>
+                      <a:endParaRPr lang="en-US" altLang="ko-KR" sz="1000" b="0" i="0" u="none" strike="noStrike">
+                        <a:solidFill>
+                          <a:srgbClr val="000000"/>
+                        </a:solidFill>
+                        <a:effectLst/>
+                        <a:latin typeface="+mj-ea"/>
+                        <a:ea typeface="+mj-ea"/>
+                      </a:endParaRPr>
+                    </a:p>
+                  </a:txBody>
+                  <a:tcPr marL="7152" marR="7152" marT="7152" marB="0" anchor="ctr">
+                    <a:lnL w="3175" cap="flat" cmpd="sng" algn="ctr">
+                      <a:solidFill>
+                        <a:schemeClr val="tx1"/>
+                      </a:solidFill>
+                      <a:prstDash val="solid"/>
+                      <a:round/>
+                      <a:headEnd type="none" w="med" len="med"/>
+                      <a:tailEnd type="none" w="med" len="med"/>
+                    </a:lnL>
+                    <a:lnR w="3175" cap="flat" cmpd="sng" algn="ctr">
+                      <a:solidFill>
+                        <a:schemeClr val="tx1"/>
+                      </a:solidFill>
+                      <a:prstDash val="solid"/>
+                      <a:round/>
+                      <a:headEnd type="none" w="med" len="med"/>
+                      <a:tailEnd type="none" w="med" len="med"/>
+                    </a:lnR>
+                    <a:lnT w="3175" cap="flat" cmpd="sng" algn="ctr">
+                      <a:solidFill>
+                        <a:schemeClr val="tx1"/>
+                      </a:solidFill>
+                      <a:prstDash val="solid"/>
+                      <a:round/>
+                      <a:headEnd type="none" w="med" len="med"/>
+                      <a:tailEnd type="none" w="med" len="med"/>
+                    </a:lnT>
+                    <a:lnB w="3175" cap="flat" cmpd="sng" algn="ctr">
+                      <a:solidFill>
+                        <a:schemeClr val="tx1"/>
+                      </a:solidFill>
+                      <a:prstDash val="solid"/>
+                      <a:round/>
+                      <a:headEnd type="none" w="med" len="med"/>
+                      <a:tailEnd type="none" w="med" len="med"/>
+                    </a:lnB>
+                  </a:tcPr>
+                </a:tc>
+                <a:extLst>
+                  <a:ext uri="{0D108BD9-81ED-4DB2-BD59-A6C34878D82A}">
+                    <a16:rowId xmlns:a16="http://schemas.microsoft.com/office/drawing/2014/main" val="1084542483"/>
+                  </a:ext>
+                </a:extLst>
+              </a:tr>
+              <a:tr h="0">
+                <a:tc>
+                  <a:txBody>
+                    <a:bodyPr/>
+                    <a:lstStyle/>
+                    <a:p>
+                      <a:pPr marL="457200" lvl="1" indent="-365125" algn="l" fontAlgn="ctr"/>
+                      <a:endParaRPr lang="en-US" altLang="ko-KR" sz="1000" b="0" i="0" u="none" strike="noStrike">
+                        <a:solidFill>
+                          <a:srgbClr val="000000"/>
+                        </a:solidFill>
+                        <a:effectLst/>
+                        <a:latin typeface="+mj-ea"/>
+                        <a:ea typeface="+mj-ea"/>
+                      </a:endParaRPr>
+                    </a:p>
+                  </a:txBody>
+                  <a:tcPr marL="7152" marR="7152" marT="7152" marB="0" anchor="ctr">
+                    <a:lnL w="3175" cap="flat" cmpd="sng" algn="ctr">
+                      <a:solidFill>
+                        <a:schemeClr val="tx1"/>
+                      </a:solidFill>
+                      <a:prstDash val="solid"/>
+                      <a:round/>
+                      <a:headEnd type="none" w="med" len="med"/>
+                      <a:tailEnd type="none" w="med" len="med"/>
+                    </a:lnL>
+                    <a:lnR w="3175" cap="flat" cmpd="sng" algn="ctr">
+                      <a:solidFill>
+                        <a:schemeClr val="tx1"/>
+                      </a:solidFill>
+                      <a:prstDash val="solid"/>
+                      <a:round/>
+                      <a:headEnd type="none" w="med" len="med"/>
+                      <a:tailEnd type="none" w="med" len="med"/>
+                    </a:lnR>
+                    <a:lnT w="3175" cap="flat" cmpd="sng" algn="ctr">
+                      <a:solidFill>
+                        <a:schemeClr val="tx1"/>
+                      </a:solidFill>
+                      <a:prstDash val="solid"/>
+                      <a:round/>
+                      <a:headEnd type="none" w="med" len="med"/>
+                      <a:tailEnd type="none" w="med" len="med"/>
+                    </a:lnT>
+                    <a:lnB w="3175" cap="flat" cmpd="sng" algn="ctr">
+                      <a:solidFill>
+                        <a:schemeClr val="tx1"/>
+                      </a:solidFill>
+                      <a:prstDash val="solid"/>
+                      <a:round/>
+                      <a:headEnd type="none" w="med" len="med"/>
+                      <a:tailEnd type="none" w="med" len="med"/>
+                    </a:lnB>
+                  </a:tcPr>
+                </a:tc>
+                <a:tc>
+                  <a:txBody>
+                    <a:bodyPr/>
+                    <a:lstStyle/>
+                    <a:p>
+                      <a:pPr marL="457200" lvl="1" indent="-365125" algn="l" fontAlgn="ctr"/>
+                      <a:endParaRPr lang="en-US" sz="1000" b="0" i="0" u="none" strike="noStrike">
+                        <a:solidFill>
+                          <a:srgbClr val="000000"/>
+                        </a:solidFill>
+                        <a:effectLst/>
+                        <a:latin typeface="+mj-ea"/>
+                        <a:ea typeface="+mj-ea"/>
+                      </a:endParaRPr>
+                    </a:p>
+                  </a:txBody>
+                  <a:tcPr marL="7152" marR="7152" marT="7152" marB="0" anchor="ctr">
+                    <a:lnL w="3175" cap="flat" cmpd="sng" algn="ctr">
+                      <a:solidFill>
+                        <a:schemeClr val="tx1"/>
+                      </a:solidFill>
+                      <a:prstDash val="solid"/>
+                      <a:round/>
+                      <a:headEnd type="none" w="med" len="med"/>
+                      <a:tailEnd type="none" w="med" len="med"/>
+                    </a:lnL>
+                    <a:lnR w="3175" cap="flat" cmpd="sng" algn="ctr">
+                      <a:solidFill>
+                        <a:schemeClr val="tx1"/>
+                      </a:solidFill>
+                      <a:prstDash val="solid"/>
+                      <a:round/>
+                      <a:headEnd type="none" w="med" len="med"/>
+                      <a:tailEnd type="none" w="med" len="med"/>
+                    </a:lnR>
+                    <a:lnT w="3175" cap="flat" cmpd="sng" algn="ctr">
+                      <a:solidFill>
+                        <a:schemeClr val="tx1"/>
+                      </a:solidFill>
+                      <a:prstDash val="solid"/>
+                      <a:round/>
+                      <a:headEnd type="none" w="med" len="med"/>
+                      <a:tailEnd type="none" w="med" len="med"/>
+                    </a:lnT>
+                    <a:lnB w="3175" cap="flat" cmpd="sng" algn="ctr">
+                      <a:solidFill>
+                        <a:schemeClr val="tx1"/>
+                      </a:solidFill>
+                      <a:prstDash val="solid"/>
+                      <a:round/>
+                      <a:headEnd type="none" w="med" len="med"/>
+                      <a:tailEnd type="none" w="med" len="med"/>
+                    </a:lnB>
+                  </a:tcPr>
+                </a:tc>
+                <a:tc>
+                  <a:txBody>
+                    <a:bodyPr/>
+                    <a:lstStyle/>
+                    <a:p>
+                      <a:pPr marL="457200" lvl="1" indent="-365125" algn="l" fontAlgn="ctr"/>
+                      <a:endParaRPr lang="en-US" altLang="ko-KR" sz="1000" b="0" i="0" u="none" strike="noStrike">
+                        <a:solidFill>
+                          <a:srgbClr val="000000"/>
+                        </a:solidFill>
+                        <a:effectLst/>
+                        <a:latin typeface="+mj-ea"/>
+                        <a:ea typeface="+mj-ea"/>
+                      </a:endParaRPr>
+                    </a:p>
+                  </a:txBody>
+                  <a:tcPr marL="7152" marR="7152" marT="7152" marB="0" anchor="ctr">
+                    <a:lnL w="3175" cap="flat" cmpd="sng" algn="ctr">
+                      <a:solidFill>
+                        <a:schemeClr val="tx1"/>
+                      </a:solidFill>
+                      <a:prstDash val="solid"/>
+                      <a:round/>
+                      <a:headEnd type="none" w="med" len="med"/>
+                      <a:tailEnd type="none" w="med" len="med"/>
+                    </a:lnL>
+                    <a:lnR w="3175" cap="flat" cmpd="sng" algn="ctr">
+                      <a:solidFill>
+                        <a:schemeClr val="tx1"/>
+                      </a:solidFill>
+                      <a:prstDash val="solid"/>
+                      <a:round/>
+                      <a:headEnd type="none" w="med" len="med"/>
+                      <a:tailEnd type="none" w="med" len="med"/>
+                    </a:lnR>
+                    <a:lnT w="3175" cap="flat" cmpd="sng" algn="ctr">
+                      <a:solidFill>
+                        <a:schemeClr val="tx1"/>
+                      </a:solidFill>
+                      <a:prstDash val="solid"/>
+                      <a:round/>
+                      <a:headEnd type="none" w="med" len="med"/>
+                      <a:tailEnd type="none" w="med" len="med"/>
+                    </a:lnT>
+                    <a:lnB w="3175" cap="flat" cmpd="sng" algn="ctr">
+                      <a:solidFill>
+                        <a:schemeClr val="tx1"/>
+                      </a:solidFill>
+                      <a:prstDash val="solid"/>
+                      <a:round/>
+                      <a:headEnd type="none" w="med" len="med"/>
+                      <a:tailEnd type="none" w="med" len="med"/>
+                    </a:lnB>
+                  </a:tcPr>
+                </a:tc>
+                <a:extLst>
+                  <a:ext uri="{0D108BD9-81ED-4DB2-BD59-A6C34878D82A}">
+                    <a16:rowId xmlns:a16="http://schemas.microsoft.com/office/drawing/2014/main" val="3388886248"/>
+                  </a:ext>
+                </a:extLst>
+              </a:tr>
+              <a:tr h="324776">
+                <a:tc>
+                  <a:txBody>
+                    <a:bodyPr/>
+                    <a:lstStyle/>
+                    <a:p>
+                      <a:pPr marL="457200" lvl="1" indent="-365125" algn="l" fontAlgn="ctr"/>
+                      <a:endParaRPr lang="en-US" altLang="ko-KR" sz="1000" b="0" i="0" u="none" strike="noStrike">
+                        <a:solidFill>
+                          <a:srgbClr val="000000"/>
+                        </a:solidFill>
+                        <a:effectLst/>
+                        <a:latin typeface="+mj-ea"/>
+                        <a:ea typeface="+mj-ea"/>
+                      </a:endParaRPr>
+                    </a:p>
+                  </a:txBody>
+                  <a:tcPr marL="7152" marR="7152" marT="7152" marB="0" anchor="ctr">
+                    <a:lnL w="3175" cap="flat" cmpd="sng" algn="ctr">
+                      <a:solidFill>
+                        <a:schemeClr val="tx1"/>
+                      </a:solidFill>
+                      <a:prstDash val="solid"/>
+                      <a:round/>
+                      <a:headEnd type="none" w="med" len="med"/>
+                      <a:tailEnd type="none" w="med" len="med"/>
+                    </a:lnL>
+                    <a:lnR w="3175" cap="flat" cmpd="sng" algn="ctr">
+                      <a:solidFill>
+                        <a:schemeClr val="tx1"/>
+                      </a:solidFill>
+                      <a:prstDash val="solid"/>
+                      <a:round/>
+                      <a:headEnd type="none" w="med" len="med"/>
+                      <a:tailEnd type="none" w="med" len="med"/>
+                    </a:lnR>
+                    <a:lnT w="3175" cap="flat" cmpd="sng" algn="ctr">
+                      <a:solidFill>
+                        <a:schemeClr val="tx1"/>
+                      </a:solidFill>
+                      <a:prstDash val="solid"/>
+                      <a:round/>
+                      <a:headEnd type="none" w="med" len="med"/>
+                      <a:tailEnd type="none" w="med" len="med"/>
+                    </a:lnT>
+                    <a:lnB w="3175" cap="flat" cmpd="sng" algn="ctr">
+                      <a:solidFill>
+                        <a:schemeClr val="tx1"/>
+                      </a:solidFill>
+                      <a:prstDash val="solid"/>
+                      <a:round/>
+                      <a:headEnd type="none" w="med" len="med"/>
+                      <a:tailEnd type="none" w="med" len="med"/>
+                    </a:lnB>
+                  </a:tcPr>
+                </a:tc>
+                <a:tc>
+                  <a:txBody>
+                    <a:bodyPr/>
+                    <a:lstStyle/>
+                    <a:p>
+                      <a:pPr marL="457200" lvl="1" indent="-365125" algn="l" fontAlgn="ctr"/>
+                      <a:endParaRPr lang="en-US" sz="1000" b="0" i="0" u="none" strike="noStrike">
+                        <a:solidFill>
+                          <a:srgbClr val="000000"/>
+                        </a:solidFill>
+                        <a:effectLst/>
+                        <a:latin typeface="+mj-ea"/>
+                        <a:ea typeface="+mj-ea"/>
+                      </a:endParaRPr>
+                    </a:p>
+                  </a:txBody>
+                  <a:tcPr marL="7152" marR="7152" marT="7152" marB="0" anchor="ctr">
+                    <a:lnL w="3175" cap="flat" cmpd="sng" algn="ctr">
+                      <a:solidFill>
+                        <a:schemeClr val="tx1"/>
+                      </a:solidFill>
+                      <a:prstDash val="solid"/>
+                      <a:round/>
+                      <a:headEnd type="none" w="med" len="med"/>
+                      <a:tailEnd type="none" w="med" len="med"/>
+                    </a:lnL>
+                    <a:lnR w="3175" cap="flat" cmpd="sng" algn="ctr">
+                      <a:solidFill>
+                        <a:schemeClr val="tx1"/>
+                      </a:solidFill>
+                      <a:prstDash val="solid"/>
+                      <a:round/>
+                      <a:headEnd type="none" w="med" len="med"/>
+                      <a:tailEnd type="none" w="med" len="med"/>
+                    </a:lnR>
+                    <a:lnT w="3175" cap="flat" cmpd="sng" algn="ctr">
+                      <a:solidFill>
+                        <a:schemeClr val="tx1"/>
+                      </a:solidFill>
+                      <a:prstDash val="solid"/>
+                      <a:round/>
+                      <a:headEnd type="none" w="med" len="med"/>
+                      <a:tailEnd type="none" w="med" len="med"/>
+                    </a:lnT>
+                    <a:lnB w="3175" cap="flat" cmpd="sng" algn="ctr">
+                      <a:solidFill>
+                        <a:schemeClr val="tx1"/>
+                      </a:solidFill>
+                      <a:prstDash val="solid"/>
+                      <a:round/>
+                      <a:headEnd type="none" w="med" len="med"/>
+                      <a:tailEnd type="none" w="med" len="med"/>
+                    </a:lnB>
+                  </a:tcPr>
+                </a:tc>
+                <a:tc>
+                  <a:txBody>
+                    <a:bodyPr/>
+                    <a:lstStyle/>
+                    <a:p>
+                      <a:pPr marL="457200" lvl="1" indent="-365125" algn="l" fontAlgn="ctr"/>
+                      <a:endParaRPr lang="en-US" altLang="ko-KR" sz="1000" b="0" i="0" u="none" strike="noStrike">
+                        <a:solidFill>
+                          <a:srgbClr val="000000"/>
+                        </a:solidFill>
+                        <a:effectLst/>
+                        <a:latin typeface="+mj-ea"/>
+                        <a:ea typeface="+mj-ea"/>
+                      </a:endParaRPr>
+                    </a:p>
+                  </a:txBody>
+                  <a:tcPr marL="7152" marR="7152" marT="7152" marB="0" anchor="ctr">
+                    <a:lnL w="3175" cap="flat" cmpd="sng" algn="ctr">
+                      <a:solidFill>
+                        <a:schemeClr val="tx1"/>
+                      </a:solidFill>
+                      <a:prstDash val="solid"/>
+                      <a:round/>
+                      <a:headEnd type="none" w="med" len="med"/>
+                      <a:tailEnd type="none" w="med" len="med"/>
+                    </a:lnL>
+                    <a:lnR w="3175" cap="flat" cmpd="sng" algn="ctr">
+                      <a:solidFill>
+                        <a:schemeClr val="tx1"/>
+                      </a:solidFill>
+                      <a:prstDash val="solid"/>
+                      <a:round/>
+                      <a:headEnd type="none" w="med" len="med"/>
+                      <a:tailEnd type="none" w="med" len="med"/>
+                    </a:lnR>
+                    <a:lnT w="3175" cap="flat" cmpd="sng" algn="ctr">
+                      <a:solidFill>
+                        <a:schemeClr val="tx1"/>
+                      </a:solidFill>
+                      <a:prstDash val="solid"/>
+                      <a:round/>
+                      <a:headEnd type="none" w="med" len="med"/>
+                      <a:tailEnd type="none" w="med" len="med"/>
+                    </a:lnT>
+                    <a:lnB w="3175" cap="flat" cmpd="sng" algn="ctr">
+                      <a:solidFill>
+                        <a:schemeClr val="tx1"/>
+                      </a:solidFill>
+                      <a:prstDash val="solid"/>
+                      <a:round/>
+                      <a:headEnd type="none" w="med" len="med"/>
+                      <a:tailEnd type="none" w="med" len="med"/>
+                    </a:lnB>
+                  </a:tcPr>
+                </a:tc>
+                <a:extLst>
+                  <a:ext uri="{0D108BD9-81ED-4DB2-BD59-A6C34878D82A}">
+                    <a16:rowId xmlns:a16="http://schemas.microsoft.com/office/drawing/2014/main" val="1895216997"/>
                   </a:ext>
                 </a:extLst>
               </a:tr>
@@ -22815,13 +24590,13 @@
                     <a:lstStyle/>
                     <a:p>
                       <a:pPr algn="l" fontAlgn="ctr"/>
-                      <a:endParaRPr lang="en-US" altLang="ko-KR" sz="800" b="0" i="0" u="none" strike="noStrike">
+                      <a:endParaRPr lang="en-US" altLang="ko-KR" sz="1000" b="0" i="0" u="none" strike="noStrike">
                         <a:solidFill>
                           <a:srgbClr val="000000"/>
                         </a:solidFill>
                         <a:effectLst/>
-                        <a:latin typeface="맑은 고딕" panose="020B0503020000020004" pitchFamily="50" charset="-127"/>
-                        <a:ea typeface="맑은 고딕" panose="020B0503020000020004" pitchFamily="50" charset="-127"/>
+                        <a:latin typeface="+mj-ea"/>
+                        <a:ea typeface="+mj-ea"/>
                       </a:endParaRPr>
                     </a:p>
                   </a:txBody>
@@ -22870,13 +24645,13 @@
                     <a:lstStyle/>
                     <a:p>
                       <a:pPr algn="ctr" fontAlgn="ctr"/>
-                      <a:endParaRPr lang="en-US" sz="800" b="0" i="0" u="none" strike="noStrike">
+                      <a:endParaRPr lang="en-US" sz="1000" b="0" i="0" u="none" strike="noStrike">
                         <a:solidFill>
                           <a:srgbClr val="000000"/>
                         </a:solidFill>
                         <a:effectLst/>
-                        <a:latin typeface="맑은 고딕" panose="020B0503020000020004" pitchFamily="50" charset="-127"/>
-                        <a:ea typeface="맑은 고딕" panose="020B0503020000020004" pitchFamily="50" charset="-127"/>
+                        <a:latin typeface="+mj-ea"/>
+                        <a:ea typeface="+mj-ea"/>
                       </a:endParaRPr>
                     </a:p>
                   </a:txBody>
@@ -22924,296 +24699,14 @@
                     <a:bodyPr/>
                     <a:lstStyle/>
                     <a:p>
-                      <a:pPr algn="ctr" fontAlgn="ctr"/>
-                      <a:endParaRPr lang="en-US" altLang="ko-KR" sz="800" b="0" i="0" u="none" strike="noStrike">
+                      <a:pPr algn="l" fontAlgn="ctr"/>
+                      <a:endParaRPr lang="en-US" altLang="ko-KR" sz="1000" b="0" i="0" u="none" strike="noStrike">
                         <a:solidFill>
                           <a:srgbClr val="000000"/>
                         </a:solidFill>
                         <a:effectLst/>
-                        <a:latin typeface="맑은 고딕" panose="020B0503020000020004" pitchFamily="50" charset="-127"/>
-                        <a:ea typeface="맑은 고딕" panose="020B0503020000020004" pitchFamily="50" charset="-127"/>
-                      </a:endParaRPr>
-                    </a:p>
-                  </a:txBody>
-                  <a:tcPr marL="7152" marR="7152" marT="7152" marB="0" anchor="ctr">
-                    <a:lnL w="3175" cap="flat" cmpd="sng" algn="ctr">
-                      <a:solidFill>
-                        <a:schemeClr val="tx1"/>
-                      </a:solidFill>
-                      <a:prstDash val="solid"/>
-                      <a:round/>
-                      <a:headEnd type="none" w="med" len="med"/>
-                      <a:tailEnd type="none" w="med" len="med"/>
-                    </a:lnL>
-                    <a:lnR w="3175" cap="flat" cmpd="sng" algn="ctr">
-                      <a:solidFill>
-                        <a:schemeClr val="tx1"/>
-                      </a:solidFill>
-                      <a:prstDash val="solid"/>
-                      <a:round/>
-                      <a:headEnd type="none" w="med" len="med"/>
-                      <a:tailEnd type="none" w="med" len="med"/>
-                    </a:lnR>
-                    <a:lnT w="3175" cap="flat" cmpd="sng" algn="ctr">
-                      <a:solidFill>
-                        <a:schemeClr val="tx1"/>
-                      </a:solidFill>
-                      <a:prstDash val="solid"/>
-                      <a:round/>
-                      <a:headEnd type="none" w="med" len="med"/>
-                      <a:tailEnd type="none" w="med" len="med"/>
-                    </a:lnT>
-                    <a:lnB w="3175" cap="flat" cmpd="sng" algn="ctr">
-                      <a:solidFill>
-                        <a:schemeClr val="tx1"/>
-                      </a:solidFill>
-                      <a:prstDash val="solid"/>
-                      <a:round/>
-                      <a:headEnd type="none" w="med" len="med"/>
-                      <a:tailEnd type="none" w="med" len="med"/>
-                    </a:lnB>
-                  </a:tcPr>
-                </a:tc>
-                <a:tc>
-                  <a:txBody>
-                    <a:bodyPr/>
-                    <a:lstStyle/>
-                    <a:p>
-                      <a:pPr algn="ctr" fontAlgn="ctr"/>
-                      <a:endParaRPr lang="en-US" altLang="ko-KR" sz="800" b="0" i="0" u="none" strike="noStrike">
-                        <a:solidFill>
-                          <a:srgbClr val="000000"/>
-                        </a:solidFill>
-                        <a:effectLst/>
-                        <a:latin typeface="맑은 고딕" panose="020B0503020000020004" pitchFamily="50" charset="-127"/>
-                        <a:ea typeface="맑은 고딕" panose="020B0503020000020004" pitchFamily="50" charset="-127"/>
-                      </a:endParaRPr>
-                    </a:p>
-                  </a:txBody>
-                  <a:tcPr marL="7152" marR="7152" marT="7152" marB="0" anchor="ctr">
-                    <a:lnL w="3175" cap="flat" cmpd="sng" algn="ctr">
-                      <a:solidFill>
-                        <a:schemeClr val="tx1"/>
-                      </a:solidFill>
-                      <a:prstDash val="solid"/>
-                      <a:round/>
-                      <a:headEnd type="none" w="med" len="med"/>
-                      <a:tailEnd type="none" w="med" len="med"/>
-                    </a:lnL>
-                    <a:lnR w="3175" cap="flat" cmpd="sng" algn="ctr">
-                      <a:solidFill>
-                        <a:schemeClr val="tx1"/>
-                      </a:solidFill>
-                      <a:prstDash val="solid"/>
-                      <a:round/>
-                      <a:headEnd type="none" w="med" len="med"/>
-                      <a:tailEnd type="none" w="med" len="med"/>
-                    </a:lnR>
-                    <a:lnT w="3175" cap="flat" cmpd="sng" algn="ctr">
-                      <a:solidFill>
-                        <a:schemeClr val="tx1"/>
-                      </a:solidFill>
-                      <a:prstDash val="solid"/>
-                      <a:round/>
-                      <a:headEnd type="none" w="med" len="med"/>
-                      <a:tailEnd type="none" w="med" len="med"/>
-                    </a:lnT>
-                    <a:lnB w="3175" cap="flat" cmpd="sng" algn="ctr">
-                      <a:solidFill>
-                        <a:schemeClr val="tx1"/>
-                      </a:solidFill>
-                      <a:prstDash val="solid"/>
-                      <a:round/>
-                      <a:headEnd type="none" w="med" len="med"/>
-                      <a:tailEnd type="none" w="med" len="med"/>
-                    </a:lnB>
-                  </a:tcPr>
-                </a:tc>
-                <a:extLst>
-                  <a:ext uri="{0D108BD9-81ED-4DB2-BD59-A6C34878D82A}">
-                    <a16:rowId xmlns:a16="http://schemas.microsoft.com/office/drawing/2014/main" val="2041333238"/>
-                  </a:ext>
-                </a:extLst>
-              </a:tr>
-              <a:tr h="157338">
-                <a:tc>
-                  <a:txBody>
-                    <a:bodyPr/>
-                    <a:lstStyle/>
-                    <a:p>
-                      <a:pPr algn="l" fontAlgn="ctr"/>
-                      <a:endParaRPr lang="en-US" altLang="ko-KR" sz="800" b="0" i="0" u="none" strike="noStrike">
-                        <a:solidFill>
-                          <a:srgbClr val="000000"/>
-                        </a:solidFill>
-                        <a:effectLst/>
-                        <a:latin typeface="맑은 고딕" panose="020B0503020000020004" pitchFamily="50" charset="-127"/>
-                        <a:ea typeface="맑은 고딕" panose="020B0503020000020004" pitchFamily="50" charset="-127"/>
-                      </a:endParaRPr>
-                    </a:p>
-                  </a:txBody>
-                  <a:tcPr marL="7152" marR="7152" marT="7152" marB="0" anchor="ctr">
-                    <a:lnL w="3175" cap="flat" cmpd="sng" algn="ctr">
-                      <a:solidFill>
-                        <a:schemeClr val="tx1"/>
-                      </a:solidFill>
-                      <a:prstDash val="solid"/>
-                      <a:round/>
-                      <a:headEnd type="none" w="med" len="med"/>
-                      <a:tailEnd type="none" w="med" len="med"/>
-                    </a:lnL>
-                    <a:lnR w="3175" cap="flat" cmpd="sng" algn="ctr">
-                      <a:solidFill>
-                        <a:schemeClr val="tx1"/>
-                      </a:solidFill>
-                      <a:prstDash val="solid"/>
-                      <a:round/>
-                      <a:headEnd type="none" w="med" len="med"/>
-                      <a:tailEnd type="none" w="med" len="med"/>
-                    </a:lnR>
-                    <a:lnT w="3175" cap="flat" cmpd="sng" algn="ctr">
-                      <a:solidFill>
-                        <a:schemeClr val="tx1"/>
-                      </a:solidFill>
-                      <a:prstDash val="solid"/>
-                      <a:round/>
-                      <a:headEnd type="none" w="med" len="med"/>
-                      <a:tailEnd type="none" w="med" len="med"/>
-                    </a:lnT>
-                    <a:lnB w="3175" cap="flat" cmpd="sng" algn="ctr">
-                      <a:solidFill>
-                        <a:schemeClr val="tx1"/>
-                      </a:solidFill>
-                      <a:prstDash val="solid"/>
-                      <a:round/>
-                      <a:headEnd type="none" w="med" len="med"/>
-                      <a:tailEnd type="none" w="med" len="med"/>
-                    </a:lnB>
-                  </a:tcPr>
-                </a:tc>
-                <a:tc>
-                  <a:txBody>
-                    <a:bodyPr/>
-                    <a:lstStyle/>
-                    <a:p>
-                      <a:pPr algn="ctr" fontAlgn="ctr"/>
-                      <a:endParaRPr lang="en-US" sz="800" b="0" i="0" u="none" strike="noStrike">
-                        <a:solidFill>
-                          <a:srgbClr val="000000"/>
-                        </a:solidFill>
-                        <a:effectLst/>
-                        <a:latin typeface="맑은 고딕" panose="020B0503020000020004" pitchFamily="50" charset="-127"/>
-                        <a:ea typeface="맑은 고딕" panose="020B0503020000020004" pitchFamily="50" charset="-127"/>
-                      </a:endParaRPr>
-                    </a:p>
-                  </a:txBody>
-                  <a:tcPr marL="7152" marR="7152" marT="7152" marB="0" anchor="ctr">
-                    <a:lnL w="3175" cap="flat" cmpd="sng" algn="ctr">
-                      <a:solidFill>
-                        <a:schemeClr val="tx1"/>
-                      </a:solidFill>
-                      <a:prstDash val="solid"/>
-                      <a:round/>
-                      <a:headEnd type="none" w="med" len="med"/>
-                      <a:tailEnd type="none" w="med" len="med"/>
-                    </a:lnL>
-                    <a:lnR w="3175" cap="flat" cmpd="sng" algn="ctr">
-                      <a:solidFill>
-                        <a:schemeClr val="tx1"/>
-                      </a:solidFill>
-                      <a:prstDash val="solid"/>
-                      <a:round/>
-                      <a:headEnd type="none" w="med" len="med"/>
-                      <a:tailEnd type="none" w="med" len="med"/>
-                    </a:lnR>
-                    <a:lnT w="3175" cap="flat" cmpd="sng" algn="ctr">
-                      <a:solidFill>
-                        <a:schemeClr val="tx1"/>
-                      </a:solidFill>
-                      <a:prstDash val="solid"/>
-                      <a:round/>
-                      <a:headEnd type="none" w="med" len="med"/>
-                      <a:tailEnd type="none" w="med" len="med"/>
-                    </a:lnT>
-                    <a:lnB w="3175" cap="flat" cmpd="sng" algn="ctr">
-                      <a:solidFill>
-                        <a:schemeClr val="tx1"/>
-                      </a:solidFill>
-                      <a:prstDash val="solid"/>
-                      <a:round/>
-                      <a:headEnd type="none" w="med" len="med"/>
-                      <a:tailEnd type="none" w="med" len="med"/>
-                    </a:lnB>
-                  </a:tcPr>
-                </a:tc>
-                <a:tc>
-                  <a:txBody>
-                    <a:bodyPr/>
-                    <a:lstStyle/>
-                    <a:p>
-                      <a:pPr algn="ctr" fontAlgn="ctr"/>
-                      <a:endParaRPr lang="en-US" altLang="ko-KR" sz="800" b="0" i="0" u="none" strike="noStrike">
-                        <a:solidFill>
-                          <a:srgbClr val="000000"/>
-                        </a:solidFill>
-                        <a:effectLst/>
-                        <a:latin typeface="맑은 고딕" panose="020B0503020000020004" pitchFamily="50" charset="-127"/>
-                        <a:ea typeface="맑은 고딕" panose="020B0503020000020004" pitchFamily="50" charset="-127"/>
-                      </a:endParaRPr>
-                    </a:p>
-                  </a:txBody>
-                  <a:tcPr marL="7152" marR="7152" marT="7152" marB="0" anchor="ctr">
-                    <a:lnL w="3175" cap="flat" cmpd="sng" algn="ctr">
-                      <a:solidFill>
-                        <a:schemeClr val="tx1"/>
-                      </a:solidFill>
-                      <a:prstDash val="solid"/>
-                      <a:round/>
-                      <a:headEnd type="none" w="med" len="med"/>
-                      <a:tailEnd type="none" w="med" len="med"/>
-                    </a:lnL>
-                    <a:lnR w="3175" cap="flat" cmpd="sng" algn="ctr">
-                      <a:solidFill>
-                        <a:schemeClr val="tx1"/>
-                      </a:solidFill>
-                      <a:prstDash val="solid"/>
-                      <a:round/>
-                      <a:headEnd type="none" w="med" len="med"/>
-                      <a:tailEnd type="none" w="med" len="med"/>
-                    </a:lnR>
-                    <a:lnT w="3175" cap="flat" cmpd="sng" algn="ctr">
-                      <a:solidFill>
-                        <a:schemeClr val="tx1"/>
-                      </a:solidFill>
-                      <a:prstDash val="solid"/>
-                      <a:round/>
-                      <a:headEnd type="none" w="med" len="med"/>
-                      <a:tailEnd type="none" w="med" len="med"/>
-                    </a:lnT>
-                    <a:lnB w="3175" cap="flat" cmpd="sng" algn="ctr">
-                      <a:solidFill>
-                        <a:schemeClr val="tx1"/>
-                      </a:solidFill>
-                      <a:prstDash val="solid"/>
-                      <a:round/>
-                      <a:headEnd type="none" w="med" len="med"/>
-                      <a:tailEnd type="none" w="med" len="med"/>
-                    </a:lnB>
-                  </a:tcPr>
-                </a:tc>
-                <a:tc>
-                  <a:txBody>
-                    <a:bodyPr/>
-                    <a:lstStyle/>
-                    <a:p>
-                      <a:pPr algn="ctr" fontAlgn="ctr"/>
-                      <a:endParaRPr lang="en-US" altLang="ko-KR" sz="800" b="0" i="0" u="none" strike="noStrike">
-                        <a:solidFill>
-                          <a:srgbClr val="000000"/>
-                        </a:solidFill>
-                        <a:effectLst/>
-                        <a:latin typeface="맑은 고딕" panose="020B0503020000020004" pitchFamily="50" charset="-127"/>
-                        <a:ea typeface="맑은 고딕" panose="020B0503020000020004" pitchFamily="50" charset="-127"/>
+                        <a:latin typeface="+mj-ea"/>
+                        <a:ea typeface="+mj-ea"/>
                       </a:endParaRPr>
                     </a:p>
                   </a:txBody>
